--- a/materials/slides/ch05-1.pptx
+++ b/materials/slides/ch05-1.pptx
@@ -138,7 +138,7 @@
   </p:defaultTextStyle>
   <p:extLst>
     <p:ext uri="{EFAFB233-063F-42B5-8137-9DF3F51BA10A}">
-      <p15:sldGuideLst xmlns:p15="http://schemas.microsoft.com/office/powerpoint/2012/main">
+      <p15:sldGuideLst xmlns:p15="http://schemas.microsoft.com/office/powerpoint/2012/main" xmlns="">
         <p15:guide id="1" orient="horz" pos="2160" userDrawn="1">
           <p15:clr>
             <a:srgbClr val="A4A3A4"/>
@@ -160,7 +160,7 @@
   <p:cmAuthor id="1" name="Eetze" initials="E" lastIdx="1" clrIdx="0">
     <p:extLst>
       <p:ext uri="{19B8F6BF-5375-455C-9EA6-DF929625EA0E}">
-        <p15:presenceInfo xmlns:p15="http://schemas.microsoft.com/office/powerpoint/2012/main" userId="Eetze" providerId="None"/>
+        <p15:presenceInfo xmlns:p15="http://schemas.microsoft.com/office/powerpoint/2012/main" xmlns="" userId="Eetze" providerId="None"/>
       </p:ext>
     </p:extLst>
   </p:cmAuthor>
@@ -249,7 +249,7 @@
           <a:p>
             <a:fld id="{A097A4FE-15A4-4468-9890-CEB24014ACB3}" type="datetimeFigureOut">
               <a:rPr lang="zh-CN" altLang="en-US" smtClean="0"/>
-              <a:t>2018/3/21</a:t>
+              <a:t>2018/10/21</a:t>
             </a:fld>
             <a:endParaRPr lang="zh-CN" altLang="en-US"/>
           </a:p>
@@ -661,6 +661,198 @@
 </p:notes>
 </file>
 
+<file path=ppt/notesSlides/notesSlide10.xml><?xml version="1.0" encoding="utf-8"?>
+<p:notes xmlns:a="http://schemas.openxmlformats.org/drawingml/2006/main" xmlns:r="http://schemas.openxmlformats.org/officeDocument/2006/relationships" xmlns:p="http://schemas.openxmlformats.org/presentationml/2006/main">
+  <p:cSld>
+    <p:spTree>
+      <p:nvGrpSpPr>
+        <p:cNvPr id="1" name=""/>
+        <p:cNvGrpSpPr/>
+        <p:nvPr/>
+      </p:nvGrpSpPr>
+      <p:grpSpPr>
+        <a:xfrm>
+          <a:off x="0" y="0"/>
+          <a:ext cx="0" cy="0"/>
+          <a:chOff x="0" y="0"/>
+          <a:chExt cx="0" cy="0"/>
+        </a:xfrm>
+      </p:grpSpPr>
+      <p:sp>
+        <p:nvSpPr>
+          <p:cNvPr id="2" name="幻灯片图像占位符 1"/>
+          <p:cNvSpPr>
+            <a:spLocks noGrp="1" noRot="1" noChangeAspect="1"/>
+          </p:cNvSpPr>
+          <p:nvPr>
+            <p:ph type="sldImg"/>
+          </p:nvPr>
+        </p:nvSpPr>
+        <p:spPr/>
+      </p:sp>
+      <p:sp>
+        <p:nvSpPr>
+          <p:cNvPr id="3" name="备注占位符 2"/>
+          <p:cNvSpPr>
+            <a:spLocks noGrp="1"/>
+          </p:cNvSpPr>
+          <p:nvPr>
+            <p:ph type="body" idx="1"/>
+          </p:nvPr>
+        </p:nvSpPr>
+        <p:spPr/>
+        <p:txBody>
+          <a:bodyPr/>
+          <a:lstStyle/>
+          <a:p>
+            <a:r>
+              <a:rPr lang="en-US" altLang="zh-CN" dirty="0" smtClean="0"/>
+              <a:t>https://www.cnblogs.com/wolipengbo/p/3427574.html</a:t>
+            </a:r>
+            <a:r>
+              <a:rPr lang="zh-CN" altLang="en-US" baseline="0" dirty="0" smtClean="0"/>
+              <a:t> </a:t>
+            </a:r>
+            <a:endParaRPr lang="en-US" altLang="zh-CN" dirty="0" smtClean="0"/>
+          </a:p>
+        </p:txBody>
+      </p:sp>
+      <p:sp>
+        <p:nvSpPr>
+          <p:cNvPr id="4" name="灯片编号占位符 3"/>
+          <p:cNvSpPr>
+            <a:spLocks noGrp="1"/>
+          </p:cNvSpPr>
+          <p:nvPr>
+            <p:ph type="sldNum" sz="quarter" idx="10"/>
+          </p:nvPr>
+        </p:nvSpPr>
+        <p:spPr/>
+        <p:txBody>
+          <a:bodyPr/>
+          <a:lstStyle/>
+          <a:p>
+            <a:fld id="{67AFED13-18EC-4853-B935-6E23F2540B2D}" type="slidenum">
+              <a:rPr lang="zh-CN" altLang="en-US" smtClean="0"/>
+              <a:t>19</a:t>
+            </a:fld>
+            <a:endParaRPr lang="zh-CN" altLang="en-US"/>
+          </a:p>
+        </p:txBody>
+      </p:sp>
+    </p:spTree>
+    <p:extLst>
+      <p:ext uri="{BB962C8B-B14F-4D97-AF65-F5344CB8AC3E}">
+        <p14:creationId xmlns:p14="http://schemas.microsoft.com/office/powerpoint/2010/main" val="1801044331"/>
+      </p:ext>
+    </p:extLst>
+  </p:cSld>
+  <p:clrMapOvr>
+    <a:masterClrMapping/>
+  </p:clrMapOvr>
+</p:notes>
+</file>
+
+<file path=ppt/notesSlides/notesSlide11.xml><?xml version="1.0" encoding="utf-8"?>
+<p:notes xmlns:a="http://schemas.openxmlformats.org/drawingml/2006/main" xmlns:r="http://schemas.openxmlformats.org/officeDocument/2006/relationships" xmlns:p="http://schemas.openxmlformats.org/presentationml/2006/main">
+  <p:cSld>
+    <p:spTree>
+      <p:nvGrpSpPr>
+        <p:cNvPr id="1" name=""/>
+        <p:cNvGrpSpPr/>
+        <p:nvPr/>
+      </p:nvGrpSpPr>
+      <p:grpSpPr>
+        <a:xfrm>
+          <a:off x="0" y="0"/>
+          <a:ext cx="0" cy="0"/>
+          <a:chOff x="0" y="0"/>
+          <a:chExt cx="0" cy="0"/>
+        </a:xfrm>
+      </p:grpSpPr>
+      <p:sp>
+        <p:nvSpPr>
+          <p:cNvPr id="2" name="幻灯片图像占位符 1"/>
+          <p:cNvSpPr>
+            <a:spLocks noGrp="1" noRot="1" noChangeAspect="1"/>
+          </p:cNvSpPr>
+          <p:nvPr>
+            <p:ph type="sldImg"/>
+          </p:nvPr>
+        </p:nvSpPr>
+        <p:spPr/>
+      </p:sp>
+      <p:sp>
+        <p:nvSpPr>
+          <p:cNvPr id="3" name="备注占位符 2"/>
+          <p:cNvSpPr>
+            <a:spLocks noGrp="1"/>
+          </p:cNvSpPr>
+          <p:nvPr>
+            <p:ph type="body" idx="1"/>
+          </p:nvPr>
+        </p:nvSpPr>
+        <p:spPr/>
+        <p:txBody>
+          <a:bodyPr/>
+          <a:lstStyle/>
+          <a:p>
+            <a:r>
+              <a:rPr lang="en-US" altLang="zh-CN" sz="1200" b="1" dirty="0" smtClean="0">
+                <a:solidFill>
+                  <a:srgbClr val="FF0000"/>
+                </a:solidFill>
+              </a:rPr>
+              <a:t>scheme</a:t>
+            </a:r>
+            <a:r>
+              <a:rPr lang="zh-CN" altLang="en-US" sz="1200" b="1" dirty="0" smtClean="0">
+                <a:solidFill>
+                  <a:srgbClr val="FF0000"/>
+                </a:solidFill>
+              </a:rPr>
+              <a:t>：协议名称</a:t>
+            </a:r>
+            <a:endParaRPr lang="zh-CN" altLang="en-US" dirty="0"/>
+          </a:p>
+        </p:txBody>
+      </p:sp>
+      <p:sp>
+        <p:nvSpPr>
+          <p:cNvPr id="4" name="灯片编号占位符 3"/>
+          <p:cNvSpPr>
+            <a:spLocks noGrp="1"/>
+          </p:cNvSpPr>
+          <p:nvPr>
+            <p:ph type="sldNum" sz="quarter" idx="10"/>
+          </p:nvPr>
+        </p:nvSpPr>
+        <p:spPr/>
+        <p:txBody>
+          <a:bodyPr/>
+          <a:lstStyle/>
+          <a:p>
+            <a:fld id="{67AFED13-18EC-4853-B935-6E23F2540B2D}" type="slidenum">
+              <a:rPr lang="zh-CN" altLang="en-US" smtClean="0"/>
+              <a:t>22</a:t>
+            </a:fld>
+            <a:endParaRPr lang="zh-CN" altLang="en-US"/>
+          </a:p>
+        </p:txBody>
+      </p:sp>
+    </p:spTree>
+    <p:extLst>
+      <p:ext uri="{BB962C8B-B14F-4D97-AF65-F5344CB8AC3E}">
+        <p14:creationId xmlns:p14="http://schemas.microsoft.com/office/powerpoint/2010/main" val="183134636"/>
+      </p:ext>
+    </p:extLst>
+  </p:cSld>
+  <p:clrMapOvr>
+    <a:masterClrMapping/>
+  </p:clrMapOvr>
+</p:notes>
+</file>
+
 <file path=ppt/notesSlides/notesSlide2.xml><?xml version="1.0" encoding="utf-8"?>
 <p:notes xmlns:a="http://schemas.openxmlformats.org/drawingml/2006/main" xmlns:r="http://schemas.openxmlformats.org/officeDocument/2006/relationships" xmlns:p="http://schemas.openxmlformats.org/presentationml/2006/main">
   <p:cSld>
@@ -1088,12 +1280,7 @@
             <p:ph type="sldImg"/>
           </p:nvPr>
         </p:nvSpPr>
-        <p:spPr>
-          <a:xfrm>
-            <a:off x="381000" y="685800"/>
-            <a:ext cx="6096000" cy="3429000"/>
-          </a:xfrm>
-        </p:spPr>
+        <p:spPr/>
       </p:sp>
       <p:sp>
         <p:nvSpPr>
@@ -1111,237 +1298,16 @@
           <a:lstStyle/>
           <a:p>
             <a:r>
+              <a:rPr lang="zh-CN" altLang="en-US" dirty="0" smtClean="0"/>
+              <a:t>隐式</a:t>
+            </a:r>
+            <a:r>
               <a:rPr lang="en-US" altLang="zh-CN" dirty="0" smtClean="0"/>
-              <a:t>Android</a:t>
+              <a:t>Intent</a:t>
             </a:r>
             <a:r>
               <a:rPr lang="zh-CN" altLang="en-US" dirty="0" smtClean="0"/>
-              <a:t>应用的</a:t>
-            </a:r>
-            <a:r>
-              <a:rPr lang="en-US" altLang="zh-CN" dirty="0" smtClean="0"/>
-              <a:t>Context</a:t>
-            </a:r>
-            <a:r>
-              <a:rPr lang="zh-CN" altLang="en-US" dirty="0" smtClean="0"/>
-              <a:t>代表了访问该应用环境信息的接口，而</a:t>
-            </a:r>
-            <a:r>
-              <a:rPr lang="en-US" altLang="zh-CN" dirty="0" smtClean="0"/>
-              <a:t>Android</a:t>
-            </a:r>
-            <a:r>
-              <a:rPr lang="zh-CN" altLang="en-US" dirty="0" smtClean="0"/>
-              <a:t>应用的包名则作为应用的唯一标识，因此</a:t>
-            </a:r>
-            <a:r>
-              <a:rPr lang="en-US" altLang="zh-CN" dirty="0" smtClean="0"/>
-              <a:t>Android</a:t>
-            </a:r>
-            <a:r>
-              <a:rPr lang="zh-CN" altLang="en-US" dirty="0" smtClean="0"/>
-              <a:t>应用的</a:t>
-            </a:r>
-            <a:r>
-              <a:rPr lang="en-US" altLang="zh-CN" dirty="0" smtClean="0"/>
-              <a:t>Context</a:t>
-            </a:r>
-            <a:r>
-              <a:rPr lang="zh-CN" altLang="en-US" dirty="0" smtClean="0"/>
-              <a:t>对象与该应用的包名有一一对应的关系。</a:t>
-            </a:r>
-            <a:endParaRPr lang="en-US" altLang="zh-CN" dirty="0" smtClean="0"/>
-          </a:p>
-          <a:p>
-            <a:r>
-              <a:rPr lang="zh-CN" altLang="en-US" dirty="0" smtClean="0"/>
-              <a:t>上面三个</a:t>
-            </a:r>
-            <a:r>
-              <a:rPr lang="en-US" altLang="zh-CN" dirty="0" smtClean="0"/>
-              <a:t>setClass()</a:t>
-            </a:r>
-            <a:r>
-              <a:rPr lang="zh-CN" altLang="en-US" dirty="0" smtClean="0"/>
-              <a:t>方法正是指定组件的包名和实现类</a:t>
-            </a:r>
-            <a:endParaRPr lang="en-US" altLang="zh-CN" dirty="0" smtClean="0"/>
-          </a:p>
-          <a:p>
-            <a:r>
-              <a:rPr lang="en-US" altLang="zh-CN" sz="1200" b="1" i="0" kern="1200" dirty="0" smtClean="0">
-                <a:solidFill>
-                  <a:schemeClr val="tx1"/>
-                </a:solidFill>
-                <a:effectLst/>
-                <a:latin typeface="+mn-lt"/>
-                <a:ea typeface="+mn-ea"/>
-                <a:cs typeface="+mn-cs"/>
-              </a:rPr>
-              <a:t>setClass</a:t>
-            </a:r>
-            <a:r>
-              <a:rPr lang="zh-CN" altLang="en-US" sz="1200" b="0" i="0" kern="1200" dirty="0" smtClean="0">
-                <a:solidFill>
-                  <a:schemeClr val="tx1"/>
-                </a:solidFill>
-                <a:effectLst/>
-                <a:latin typeface="+mn-lt"/>
-                <a:ea typeface="+mn-ea"/>
-                <a:cs typeface="+mn-cs"/>
-              </a:rPr>
-              <a:t>：跳转到与该工程下的（同一个</a:t>
-            </a:r>
-            <a:r>
-              <a:rPr lang="en-US" altLang="zh-CN" sz="1200" b="0" i="0" kern="1200" dirty="0" smtClean="0">
-                <a:solidFill>
-                  <a:schemeClr val="tx1"/>
-                </a:solidFill>
-                <a:effectLst/>
-                <a:latin typeface="+mn-lt"/>
-                <a:ea typeface="+mn-ea"/>
-                <a:cs typeface="+mn-cs"/>
-              </a:rPr>
-              <a:t>Application</a:t>
-            </a:r>
-            <a:r>
-              <a:rPr lang="zh-CN" altLang="en-US" sz="1200" b="0" i="0" kern="1200" dirty="0" smtClean="0">
-                <a:solidFill>
-                  <a:schemeClr val="tx1"/>
-                </a:solidFill>
-                <a:effectLst/>
-                <a:latin typeface="+mn-lt"/>
-                <a:ea typeface="+mn-ea"/>
-                <a:cs typeface="+mn-cs"/>
-              </a:rPr>
-              <a:t>中的）</a:t>
-            </a:r>
-            <a:r>
-              <a:rPr lang="en-US" altLang="zh-CN" sz="1200" b="0" i="0" kern="1200" dirty="0" smtClean="0">
-                <a:solidFill>
-                  <a:schemeClr val="tx1"/>
-                </a:solidFill>
-                <a:effectLst/>
-                <a:latin typeface="+mn-lt"/>
-                <a:ea typeface="+mn-ea"/>
-                <a:cs typeface="+mn-cs"/>
-              </a:rPr>
-              <a:t>activity</a:t>
-            </a:r>
-            <a:r>
-              <a:rPr lang="zh-CN" altLang="en-US" sz="1200" b="0" i="0" kern="1200" dirty="0" smtClean="0">
-                <a:solidFill>
-                  <a:schemeClr val="tx1"/>
-                </a:solidFill>
-                <a:effectLst/>
-                <a:latin typeface="+mn-lt"/>
-                <a:ea typeface="+mn-ea"/>
-                <a:cs typeface="+mn-cs"/>
-              </a:rPr>
-              <a:t>或者</a:t>
-            </a:r>
-            <a:r>
-              <a:rPr lang="en-US" altLang="zh-CN" sz="1200" b="0" i="0" kern="1200" dirty="0" smtClean="0">
-                <a:solidFill>
-                  <a:schemeClr val="tx1"/>
-                </a:solidFill>
-                <a:effectLst/>
-                <a:latin typeface="+mn-lt"/>
-                <a:ea typeface="+mn-ea"/>
-                <a:cs typeface="+mn-cs"/>
-              </a:rPr>
-              <a:t>service </a:t>
-            </a:r>
-            <a:r>
-              <a:rPr lang="en-US" altLang="zh-CN" dirty="0" smtClean="0"/>
-              <a:t/>
-            </a:r>
-            <a:br>
-              <a:rPr lang="en-US" altLang="zh-CN" dirty="0" smtClean="0"/>
-            </a:br>
-            <a:r>
-              <a:rPr lang="en-US" altLang="zh-CN" sz="1200" b="1" i="0" kern="1200" dirty="0" smtClean="0">
-                <a:solidFill>
-                  <a:schemeClr val="tx1"/>
-                </a:solidFill>
-                <a:effectLst/>
-                <a:latin typeface="+mn-lt"/>
-                <a:ea typeface="+mn-ea"/>
-                <a:cs typeface="+mn-cs"/>
-              </a:rPr>
-              <a:t>setClassName</a:t>
-            </a:r>
-            <a:r>
-              <a:rPr lang="zh-CN" altLang="en-US" sz="1200" b="0" i="0" kern="1200" dirty="0" smtClean="0">
-                <a:solidFill>
-                  <a:schemeClr val="tx1"/>
-                </a:solidFill>
-                <a:effectLst/>
-                <a:latin typeface="+mn-lt"/>
-                <a:ea typeface="+mn-ea"/>
-                <a:cs typeface="+mn-cs"/>
-              </a:rPr>
-              <a:t>：可以跳转到同一或不同</a:t>
-            </a:r>
-            <a:r>
-              <a:rPr lang="en-US" altLang="zh-CN" sz="1200" b="0" i="0" kern="1200" dirty="0" smtClean="0">
-                <a:solidFill>
-                  <a:schemeClr val="tx1"/>
-                </a:solidFill>
-                <a:effectLst/>
-                <a:latin typeface="+mn-lt"/>
-                <a:ea typeface="+mn-ea"/>
-                <a:cs typeface="+mn-cs"/>
-              </a:rPr>
-              <a:t>Applicaiton</a:t>
-            </a:r>
-            <a:r>
-              <a:rPr lang="zh-CN" altLang="en-US" sz="1200" b="0" i="0" kern="1200" dirty="0" smtClean="0">
-                <a:solidFill>
-                  <a:schemeClr val="tx1"/>
-                </a:solidFill>
-                <a:effectLst/>
-                <a:latin typeface="+mn-lt"/>
-                <a:ea typeface="+mn-ea"/>
-                <a:cs typeface="+mn-cs"/>
-              </a:rPr>
-              <a:t>的</a:t>
-            </a:r>
-            <a:r>
-              <a:rPr lang="en-US" altLang="zh-CN" sz="1200" b="0" i="0" kern="1200" dirty="0" smtClean="0">
-                <a:solidFill>
-                  <a:schemeClr val="tx1"/>
-                </a:solidFill>
-                <a:effectLst/>
-                <a:latin typeface="+mn-lt"/>
-                <a:ea typeface="+mn-ea"/>
-                <a:cs typeface="+mn-cs"/>
-              </a:rPr>
-              <a:t>activity</a:t>
-            </a:r>
-            <a:r>
-              <a:rPr lang="zh-CN" altLang="en-US" sz="1200" b="0" i="0" kern="1200" dirty="0" smtClean="0">
-                <a:solidFill>
-                  <a:schemeClr val="tx1"/>
-                </a:solidFill>
-                <a:effectLst/>
-                <a:latin typeface="+mn-lt"/>
-                <a:ea typeface="+mn-ea"/>
-                <a:cs typeface="+mn-cs"/>
-              </a:rPr>
-              <a:t>或者</a:t>
-            </a:r>
-            <a:r>
-              <a:rPr lang="en-US" altLang="zh-CN" sz="1200" b="0" i="0" kern="1200" dirty="0" smtClean="0">
-                <a:solidFill>
-                  <a:schemeClr val="tx1"/>
-                </a:solidFill>
-                <a:effectLst/>
-                <a:latin typeface="+mn-lt"/>
-                <a:ea typeface="+mn-ea"/>
-                <a:cs typeface="+mn-cs"/>
-              </a:rPr>
-              <a:t>service</a:t>
+              <a:t>会弹出一个框让你选择使用哪种方式打开，会把所有符合条件的组件列出来让用户选择</a:t>
             </a:r>
             <a:endParaRPr lang="zh-CN" altLang="en-US" dirty="0"/>
           </a:p>
@@ -1364,7 +1330,7 @@
           <a:p>
             <a:fld id="{67AFED13-18EC-4853-B935-6E23F2540B2D}" type="slidenum">
               <a:rPr lang="zh-CN" altLang="en-US" smtClean="0"/>
-              <a:t>10</a:t>
+              <a:t>8</a:t>
             </a:fld>
             <a:endParaRPr lang="zh-CN" altLang="en-US"/>
           </a:p>
@@ -1373,7 +1339,7 @@
     </p:spTree>
     <p:extLst>
       <p:ext uri="{BB962C8B-B14F-4D97-AF65-F5344CB8AC3E}">
-        <p14:creationId xmlns:p14="http://schemas.microsoft.com/office/powerpoint/2010/main" val="3191906481"/>
+        <p14:creationId xmlns:p14="http://schemas.microsoft.com/office/powerpoint/2010/main" val="3788165380"/>
       </p:ext>
     </p:extLst>
   </p:cSld>
@@ -1432,83 +1398,240 @@
           <a:bodyPr/>
           <a:lstStyle/>
           <a:p>
-            <a:pPr marL="0" marR="0" indent="0" algn="l" defTabSz="914400" rtl="0" eaLnBrk="1" fontAlgn="auto" latinLnBrk="0" hangingPunct="1">
-              <a:lnSpc>
-                <a:spcPct val="100000"/>
-              </a:lnSpc>
-              <a:spcBef>
-                <a:spcPts val="0"/>
-              </a:spcBef>
-              <a:spcAft>
-                <a:spcPts val="0"/>
-              </a:spcAft>
-              <a:buClrTx/>
-              <a:buSzTx/>
-              <a:buFontTx/>
-              <a:buNone/>
-              <a:tabLst/>
-              <a:defRPr/>
-            </a:pPr>
-            <a:r>
-              <a:rPr lang="en-US" altLang="zh-CN" smtClean="0"/>
-              <a:t>Component</a:t>
-            </a:r>
-            <a:r>
-              <a:rPr lang="zh-CN" altLang="en-US" smtClean="0"/>
-              <a:t>属性代表这个</a:t>
-            </a:r>
-            <a:r>
-              <a:rPr lang="en-US" altLang="zh-CN" smtClean="0"/>
-              <a:t>Intent</a:t>
-            </a:r>
-            <a:r>
-              <a:rPr lang="zh-CN" altLang="en-US" smtClean="0"/>
-              <a:t>的组件属性，表明此</a:t>
-            </a:r>
-            <a:r>
-              <a:rPr lang="en-US" altLang="zh-CN" smtClean="0"/>
-              <a:t>Intent</a:t>
-            </a:r>
-            <a:r>
-              <a:rPr lang="zh-CN" altLang="en-US" smtClean="0"/>
-              <a:t>所要启动的组件类。</a:t>
-            </a:r>
-            <a:endParaRPr lang="en-US" altLang="zh-CN" smtClean="0"/>
+            <a:r>
+              <a:rPr lang="en-US" altLang="zh-CN" dirty="0" smtClean="0"/>
+              <a:t>Android</a:t>
+            </a:r>
+            <a:r>
+              <a:rPr lang="zh-CN" altLang="en-US" dirty="0" smtClean="0"/>
+              <a:t>应用的</a:t>
+            </a:r>
+            <a:r>
+              <a:rPr lang="en-US" altLang="zh-CN" dirty="0" smtClean="0"/>
+              <a:t>Context</a:t>
+            </a:r>
+            <a:r>
+              <a:rPr lang="zh-CN" altLang="en-US" dirty="0" smtClean="0"/>
+              <a:t>代表了访问该应用环境信息的接口，而</a:t>
+            </a:r>
+            <a:r>
+              <a:rPr lang="en-US" altLang="zh-CN" dirty="0" smtClean="0"/>
+              <a:t>Android</a:t>
+            </a:r>
+            <a:r>
+              <a:rPr lang="zh-CN" altLang="en-US" dirty="0" smtClean="0"/>
+              <a:t>应用的包名则作为应用的唯一标识，因此</a:t>
+            </a:r>
+            <a:r>
+              <a:rPr lang="en-US" altLang="zh-CN" dirty="0" smtClean="0"/>
+              <a:t>Android</a:t>
+            </a:r>
+            <a:r>
+              <a:rPr lang="zh-CN" altLang="en-US" dirty="0" smtClean="0"/>
+              <a:t>应用的</a:t>
+            </a:r>
+            <a:r>
+              <a:rPr lang="en-US" altLang="zh-CN" dirty="0" smtClean="0"/>
+              <a:t>Context</a:t>
+            </a:r>
+            <a:r>
+              <a:rPr lang="zh-CN" altLang="en-US" dirty="0" smtClean="0"/>
+              <a:t>对象与该应用的包名有一一对应的关系。</a:t>
+            </a:r>
+            <a:endParaRPr lang="en-US" altLang="zh-CN" dirty="0" smtClean="0"/>
           </a:p>
           <a:p>
-            <a:pPr marL="0" marR="0" indent="0" algn="l" defTabSz="914400" rtl="0" eaLnBrk="1" fontAlgn="auto" latinLnBrk="0" hangingPunct="1">
-              <a:lnSpc>
-                <a:spcPct val="100000"/>
-              </a:lnSpc>
-              <a:spcBef>
-                <a:spcPts val="0"/>
-              </a:spcBef>
-              <a:spcAft>
-                <a:spcPts val="0"/>
-              </a:spcAft>
-              <a:buClrTx/>
-              <a:buSzTx/>
-              <a:buFontTx/>
-              <a:buNone/>
-              <a:tabLst/>
-              <a:defRPr/>
-            </a:pPr>
-            <a:r>
-              <a:rPr lang="zh-CN" altLang="en-US" smtClean="0"/>
-              <a:t>被启动的组件无需进行</a:t>
-            </a:r>
-            <a:r>
-              <a:rPr lang="en-US" altLang="zh-CN" smtClean="0"/>
-              <a:t>&lt;intent-filter&gt;</a:t>
-            </a:r>
-            <a:r>
-              <a:rPr lang="zh-CN" altLang="en-US" smtClean="0"/>
-              <a:t>元素的声明配置。</a:t>
-            </a:r>
-            <a:endParaRPr lang="en-US" altLang="zh-CN" smtClean="0"/>
+            <a:r>
+              <a:rPr lang="zh-CN" altLang="en-US" dirty="0" smtClean="0"/>
+              <a:t>上面三个</a:t>
+            </a:r>
+            <a:r>
+              <a:rPr lang="en-US" altLang="zh-CN" dirty="0" smtClean="0"/>
+              <a:t>setClass()</a:t>
+            </a:r>
+            <a:r>
+              <a:rPr lang="zh-CN" altLang="en-US" dirty="0" smtClean="0"/>
+              <a:t>方法正是指定组件的包名和实现类</a:t>
+            </a:r>
+            <a:endParaRPr lang="en-US" altLang="zh-CN" dirty="0" smtClean="0"/>
           </a:p>
           <a:p>
-            <a:endParaRPr lang="en-US" altLang="zh-CN" dirty="0" smtClean="0"/>
+            <a:r>
+              <a:rPr lang="en-US" altLang="zh-CN" sz="1200" b="1" i="0" kern="1200" dirty="0" smtClean="0">
+                <a:solidFill>
+                  <a:schemeClr val="tx1"/>
+                </a:solidFill>
+                <a:effectLst/>
+                <a:latin typeface="+mn-lt"/>
+                <a:ea typeface="+mn-ea"/>
+                <a:cs typeface="+mn-cs"/>
+              </a:rPr>
+              <a:t>setClass</a:t>
+            </a:r>
+            <a:r>
+              <a:rPr lang="zh-CN" altLang="en-US" sz="1200" b="0" i="0" kern="1200" dirty="0" smtClean="0">
+                <a:solidFill>
+                  <a:schemeClr val="tx1"/>
+                </a:solidFill>
+                <a:effectLst/>
+                <a:latin typeface="+mn-lt"/>
+                <a:ea typeface="+mn-ea"/>
+                <a:cs typeface="+mn-cs"/>
+              </a:rPr>
+              <a:t>：跳转到与该工程下的（同一个</a:t>
+            </a:r>
+            <a:r>
+              <a:rPr lang="en-US" altLang="zh-CN" sz="1200" b="0" i="0" kern="1200" dirty="0" smtClean="0">
+                <a:solidFill>
+                  <a:schemeClr val="tx1"/>
+                </a:solidFill>
+                <a:effectLst/>
+                <a:latin typeface="+mn-lt"/>
+                <a:ea typeface="+mn-ea"/>
+                <a:cs typeface="+mn-cs"/>
+              </a:rPr>
+              <a:t>Application</a:t>
+            </a:r>
+            <a:r>
+              <a:rPr lang="zh-CN" altLang="en-US" sz="1200" b="0" i="0" kern="1200" dirty="0" smtClean="0">
+                <a:solidFill>
+                  <a:schemeClr val="tx1"/>
+                </a:solidFill>
+                <a:effectLst/>
+                <a:latin typeface="+mn-lt"/>
+                <a:ea typeface="+mn-ea"/>
+                <a:cs typeface="+mn-cs"/>
+              </a:rPr>
+              <a:t>中的）</a:t>
+            </a:r>
+            <a:r>
+              <a:rPr lang="en-US" altLang="zh-CN" sz="1200" b="0" i="0" kern="1200" dirty="0" smtClean="0">
+                <a:solidFill>
+                  <a:schemeClr val="tx1"/>
+                </a:solidFill>
+                <a:effectLst/>
+                <a:latin typeface="+mn-lt"/>
+                <a:ea typeface="+mn-ea"/>
+                <a:cs typeface="+mn-cs"/>
+              </a:rPr>
+              <a:t>activity</a:t>
+            </a:r>
+            <a:r>
+              <a:rPr lang="zh-CN" altLang="en-US" sz="1200" b="0" i="0" kern="1200" dirty="0" smtClean="0">
+                <a:solidFill>
+                  <a:schemeClr val="tx1"/>
+                </a:solidFill>
+                <a:effectLst/>
+                <a:latin typeface="+mn-lt"/>
+                <a:ea typeface="+mn-ea"/>
+                <a:cs typeface="+mn-cs"/>
+              </a:rPr>
+              <a:t>或者</a:t>
+            </a:r>
+            <a:r>
+              <a:rPr lang="en-US" altLang="zh-CN" sz="1200" b="0" i="0" kern="1200" dirty="0" smtClean="0">
+                <a:solidFill>
+                  <a:schemeClr val="tx1"/>
+                </a:solidFill>
+                <a:effectLst/>
+                <a:latin typeface="+mn-lt"/>
+                <a:ea typeface="+mn-ea"/>
+                <a:cs typeface="+mn-cs"/>
+              </a:rPr>
+              <a:t>service </a:t>
+            </a:r>
+            <a:r>
+              <a:rPr lang="en-US" altLang="zh-CN" dirty="0" smtClean="0"/>
+              <a:t/>
+            </a:r>
+            <a:br>
+              <a:rPr lang="en-US" altLang="zh-CN" dirty="0" smtClean="0"/>
+            </a:br>
+            <a:r>
+              <a:rPr lang="en-US" altLang="zh-CN" sz="1200" b="1" i="0" kern="1200" dirty="0" smtClean="0">
+                <a:solidFill>
+                  <a:schemeClr val="tx1"/>
+                </a:solidFill>
+                <a:effectLst/>
+                <a:latin typeface="+mn-lt"/>
+                <a:ea typeface="+mn-ea"/>
+                <a:cs typeface="+mn-cs"/>
+              </a:rPr>
+              <a:t>setClassName</a:t>
+            </a:r>
+            <a:r>
+              <a:rPr lang="zh-CN" altLang="en-US" sz="1200" b="0" i="0" kern="1200" dirty="0" smtClean="0">
+                <a:solidFill>
+                  <a:schemeClr val="tx1"/>
+                </a:solidFill>
+                <a:effectLst/>
+                <a:latin typeface="+mn-lt"/>
+                <a:ea typeface="+mn-ea"/>
+                <a:cs typeface="+mn-cs"/>
+              </a:rPr>
+              <a:t>：可以跳转到同一或不同</a:t>
+            </a:r>
+            <a:r>
+              <a:rPr lang="en-US" altLang="zh-CN" sz="1200" b="0" i="0" kern="1200" dirty="0" smtClean="0">
+                <a:solidFill>
+                  <a:schemeClr val="tx1"/>
+                </a:solidFill>
+                <a:effectLst/>
+                <a:latin typeface="+mn-lt"/>
+                <a:ea typeface="+mn-ea"/>
+                <a:cs typeface="+mn-cs"/>
+              </a:rPr>
+              <a:t>Applicaiton</a:t>
+            </a:r>
+            <a:r>
+              <a:rPr lang="zh-CN" altLang="en-US" sz="1200" b="0" i="0" kern="1200" dirty="0" smtClean="0">
+                <a:solidFill>
+                  <a:schemeClr val="tx1"/>
+                </a:solidFill>
+                <a:effectLst/>
+                <a:latin typeface="+mn-lt"/>
+                <a:ea typeface="+mn-ea"/>
+                <a:cs typeface="+mn-cs"/>
+              </a:rPr>
+              <a:t>的</a:t>
+            </a:r>
+            <a:r>
+              <a:rPr lang="en-US" altLang="zh-CN" sz="1200" b="0" i="0" kern="1200" dirty="0" smtClean="0">
+                <a:solidFill>
+                  <a:schemeClr val="tx1"/>
+                </a:solidFill>
+                <a:effectLst/>
+                <a:latin typeface="+mn-lt"/>
+                <a:ea typeface="+mn-ea"/>
+                <a:cs typeface="+mn-cs"/>
+              </a:rPr>
+              <a:t>activity</a:t>
+            </a:r>
+            <a:r>
+              <a:rPr lang="zh-CN" altLang="en-US" sz="1200" b="0" i="0" kern="1200" dirty="0" smtClean="0">
+                <a:solidFill>
+                  <a:schemeClr val="tx1"/>
+                </a:solidFill>
+                <a:effectLst/>
+                <a:latin typeface="+mn-lt"/>
+                <a:ea typeface="+mn-ea"/>
+                <a:cs typeface="+mn-cs"/>
+              </a:rPr>
+              <a:t>或者</a:t>
+            </a:r>
+            <a:r>
+              <a:rPr lang="en-US" altLang="zh-CN" sz="1200" b="0" i="0" kern="1200" dirty="0" smtClean="0">
+                <a:solidFill>
+                  <a:schemeClr val="tx1"/>
+                </a:solidFill>
+                <a:effectLst/>
+                <a:latin typeface="+mn-lt"/>
+                <a:ea typeface="+mn-ea"/>
+                <a:cs typeface="+mn-cs"/>
+              </a:rPr>
+              <a:t>service</a:t>
+            </a:r>
+            <a:endParaRPr lang="zh-CN" altLang="en-US" dirty="0"/>
           </a:p>
         </p:txBody>
       </p:sp>
@@ -1529,7 +1652,7 @@
           <a:p>
             <a:fld id="{67AFED13-18EC-4853-B935-6E23F2540B2D}" type="slidenum">
               <a:rPr lang="zh-CN" altLang="en-US" smtClean="0"/>
-              <a:t>11</a:t>
+              <a:t>10</a:t>
             </a:fld>
             <a:endParaRPr lang="zh-CN" altLang="en-US"/>
           </a:p>
@@ -1538,7 +1661,7 @@
     </p:spTree>
     <p:extLst>
       <p:ext uri="{BB962C8B-B14F-4D97-AF65-F5344CB8AC3E}">
-        <p14:creationId xmlns:p14="http://schemas.microsoft.com/office/powerpoint/2010/main" val="632353645"/>
+        <p14:creationId xmlns:p14="http://schemas.microsoft.com/office/powerpoint/2010/main" val="3191906481"/>
       </p:ext>
     </p:extLst>
   </p:cSld>
@@ -1615,16 +1738,12 @@
               <a:defRPr/>
             </a:pPr>
             <a:r>
-              <a:rPr lang="zh-CN" altLang="en-US" smtClean="0"/>
-              <a:t>指定</a:t>
-            </a:r>
-            <a:r>
               <a:rPr lang="en-US" altLang="zh-CN" smtClean="0"/>
               <a:t>Component</a:t>
             </a:r>
             <a:r>
               <a:rPr lang="zh-CN" altLang="en-US" smtClean="0"/>
-              <a:t>属性的</a:t>
+              <a:t>属性代表这个</a:t>
             </a:r>
             <a:r>
               <a:rPr lang="en-US" altLang="zh-CN" smtClean="0"/>
@@ -1632,7 +1751,7 @@
             </a:r>
             <a:r>
               <a:rPr lang="zh-CN" altLang="en-US" smtClean="0"/>
-              <a:t>已经明确了它将要启动哪个组件，因此这种</a:t>
+              <a:t>的组件属性，表明此</a:t>
             </a:r>
             <a:r>
               <a:rPr lang="en-US" altLang="zh-CN" smtClean="0"/>
@@ -1640,40 +1759,44 @@
             </a:r>
             <a:r>
               <a:rPr lang="zh-CN" altLang="en-US" smtClean="0"/>
-              <a:t>也被称为显示</a:t>
-            </a:r>
-            <a:r>
-              <a:rPr lang="en-US" altLang="zh-CN" smtClean="0"/>
-              <a:t>Intent</a:t>
-            </a:r>
-            <a:r>
-              <a:rPr lang="zh-CN" altLang="en-US" smtClean="0"/>
-              <a:t>，没有指定</a:t>
-            </a:r>
-            <a:r>
-              <a:rPr lang="en-US" altLang="zh-CN" smtClean="0"/>
-              <a:t>Component</a:t>
-            </a:r>
-            <a:r>
-              <a:rPr lang="zh-CN" altLang="en-US" smtClean="0"/>
-              <a:t>属性的</a:t>
-            </a:r>
-            <a:r>
-              <a:rPr lang="en-US" altLang="zh-CN" smtClean="0"/>
-              <a:t>Intent</a:t>
-            </a:r>
-            <a:r>
-              <a:rPr lang="zh-CN" altLang="en-US" smtClean="0"/>
-              <a:t>被称为隐式</a:t>
-            </a:r>
-            <a:r>
-              <a:rPr lang="en-US" altLang="zh-CN" smtClean="0"/>
-              <a:t>Intent</a:t>
-            </a:r>
-            <a:endParaRPr lang="zh-CN" altLang="en-US" smtClean="0"/>
+              <a:t>所要启动的组件类。</a:t>
+            </a:r>
+            <a:endParaRPr lang="en-US" altLang="zh-CN" smtClean="0"/>
           </a:p>
           <a:p>
-            <a:endParaRPr lang="zh-CN" altLang="en-US"/>
+            <a:pPr marL="0" marR="0" indent="0" algn="l" defTabSz="914400" rtl="0" eaLnBrk="1" fontAlgn="auto" latinLnBrk="0" hangingPunct="1">
+              <a:lnSpc>
+                <a:spcPct val="100000"/>
+              </a:lnSpc>
+              <a:spcBef>
+                <a:spcPts val="0"/>
+              </a:spcBef>
+              <a:spcAft>
+                <a:spcPts val="0"/>
+              </a:spcAft>
+              <a:buClrTx/>
+              <a:buSzTx/>
+              <a:buFontTx/>
+              <a:buNone/>
+              <a:tabLst/>
+              <a:defRPr/>
+            </a:pPr>
+            <a:r>
+              <a:rPr lang="zh-CN" altLang="en-US" smtClean="0"/>
+              <a:t>被启动的组件无需进行</a:t>
+            </a:r>
+            <a:r>
+              <a:rPr lang="en-US" altLang="zh-CN" smtClean="0"/>
+              <a:t>&lt;intent-filter&gt;</a:t>
+            </a:r>
+            <a:r>
+              <a:rPr lang="zh-CN" altLang="en-US" smtClean="0"/>
+              <a:t>元素的声明配置。</a:t>
+            </a:r>
+            <a:endParaRPr lang="en-US" altLang="zh-CN" smtClean="0"/>
+          </a:p>
+          <a:p>
+            <a:endParaRPr lang="en-US" altLang="zh-CN" dirty="0" smtClean="0"/>
           </a:p>
         </p:txBody>
       </p:sp>
@@ -1694,7 +1817,7 @@
           <a:p>
             <a:fld id="{67AFED13-18EC-4853-B935-6E23F2540B2D}" type="slidenum">
               <a:rPr lang="zh-CN" altLang="en-US" smtClean="0"/>
-              <a:t>12</a:t>
+              <a:t>11</a:t>
             </a:fld>
             <a:endParaRPr lang="zh-CN" altLang="en-US"/>
           </a:p>
@@ -1703,7 +1826,7 @@
     </p:spTree>
     <p:extLst>
       <p:ext uri="{BB962C8B-B14F-4D97-AF65-F5344CB8AC3E}">
-        <p14:creationId xmlns:p14="http://schemas.microsoft.com/office/powerpoint/2010/main" val="2807644843"/>
+        <p14:creationId xmlns:p14="http://schemas.microsoft.com/office/powerpoint/2010/main" val="632353645"/>
       </p:ext>
     </p:extLst>
   </p:cSld>
@@ -1762,6 +1885,171 @@
           <a:bodyPr/>
           <a:lstStyle/>
           <a:p>
+            <a:pPr marL="0" marR="0" indent="0" algn="l" defTabSz="914400" rtl="0" eaLnBrk="1" fontAlgn="auto" latinLnBrk="0" hangingPunct="1">
+              <a:lnSpc>
+                <a:spcPct val="100000"/>
+              </a:lnSpc>
+              <a:spcBef>
+                <a:spcPts val="0"/>
+              </a:spcBef>
+              <a:spcAft>
+                <a:spcPts val="0"/>
+              </a:spcAft>
+              <a:buClrTx/>
+              <a:buSzTx/>
+              <a:buFontTx/>
+              <a:buNone/>
+              <a:tabLst/>
+              <a:defRPr/>
+            </a:pPr>
+            <a:r>
+              <a:rPr lang="zh-CN" altLang="en-US" smtClean="0"/>
+              <a:t>指定</a:t>
+            </a:r>
+            <a:r>
+              <a:rPr lang="en-US" altLang="zh-CN" smtClean="0"/>
+              <a:t>Component</a:t>
+            </a:r>
+            <a:r>
+              <a:rPr lang="zh-CN" altLang="en-US" smtClean="0"/>
+              <a:t>属性的</a:t>
+            </a:r>
+            <a:r>
+              <a:rPr lang="en-US" altLang="zh-CN" smtClean="0"/>
+              <a:t>Intent</a:t>
+            </a:r>
+            <a:r>
+              <a:rPr lang="zh-CN" altLang="en-US" smtClean="0"/>
+              <a:t>已经明确了它将要启动哪个组件，因此这种</a:t>
+            </a:r>
+            <a:r>
+              <a:rPr lang="en-US" altLang="zh-CN" smtClean="0"/>
+              <a:t>Intent</a:t>
+            </a:r>
+            <a:r>
+              <a:rPr lang="zh-CN" altLang="en-US" smtClean="0"/>
+              <a:t>也被称为显示</a:t>
+            </a:r>
+            <a:r>
+              <a:rPr lang="en-US" altLang="zh-CN" smtClean="0"/>
+              <a:t>Intent</a:t>
+            </a:r>
+            <a:r>
+              <a:rPr lang="zh-CN" altLang="en-US" smtClean="0"/>
+              <a:t>，没有指定</a:t>
+            </a:r>
+            <a:r>
+              <a:rPr lang="en-US" altLang="zh-CN" smtClean="0"/>
+              <a:t>Component</a:t>
+            </a:r>
+            <a:r>
+              <a:rPr lang="zh-CN" altLang="en-US" smtClean="0"/>
+              <a:t>属性的</a:t>
+            </a:r>
+            <a:r>
+              <a:rPr lang="en-US" altLang="zh-CN" smtClean="0"/>
+              <a:t>Intent</a:t>
+            </a:r>
+            <a:r>
+              <a:rPr lang="zh-CN" altLang="en-US" smtClean="0"/>
+              <a:t>被称为隐式</a:t>
+            </a:r>
+            <a:r>
+              <a:rPr lang="en-US" altLang="zh-CN" smtClean="0"/>
+              <a:t>Intent</a:t>
+            </a:r>
+            <a:endParaRPr lang="zh-CN" altLang="en-US" smtClean="0"/>
+          </a:p>
+          <a:p>
+            <a:endParaRPr lang="zh-CN" altLang="en-US"/>
+          </a:p>
+        </p:txBody>
+      </p:sp>
+      <p:sp>
+        <p:nvSpPr>
+          <p:cNvPr id="4" name="灯片编号占位符 3"/>
+          <p:cNvSpPr>
+            <a:spLocks noGrp="1"/>
+          </p:cNvSpPr>
+          <p:nvPr>
+            <p:ph type="sldNum" sz="quarter" idx="10"/>
+          </p:nvPr>
+        </p:nvSpPr>
+        <p:spPr/>
+        <p:txBody>
+          <a:bodyPr/>
+          <a:lstStyle/>
+          <a:p>
+            <a:fld id="{67AFED13-18EC-4853-B935-6E23F2540B2D}" type="slidenum">
+              <a:rPr lang="zh-CN" altLang="en-US" smtClean="0"/>
+              <a:t>12</a:t>
+            </a:fld>
+            <a:endParaRPr lang="zh-CN" altLang="en-US"/>
+          </a:p>
+        </p:txBody>
+      </p:sp>
+    </p:spTree>
+    <p:extLst>
+      <p:ext uri="{BB962C8B-B14F-4D97-AF65-F5344CB8AC3E}">
+        <p14:creationId xmlns:p14="http://schemas.microsoft.com/office/powerpoint/2010/main" val="2807644843"/>
+      </p:ext>
+    </p:extLst>
+  </p:cSld>
+  <p:clrMapOvr>
+    <a:masterClrMapping/>
+  </p:clrMapOvr>
+</p:notes>
+</file>
+
+<file path=ppt/notesSlides/notesSlide7.xml><?xml version="1.0" encoding="utf-8"?>
+<p:notes xmlns:a="http://schemas.openxmlformats.org/drawingml/2006/main" xmlns:r="http://schemas.openxmlformats.org/officeDocument/2006/relationships" xmlns:p="http://schemas.openxmlformats.org/presentationml/2006/main">
+  <p:cSld>
+    <p:spTree>
+      <p:nvGrpSpPr>
+        <p:cNvPr id="1" name=""/>
+        <p:cNvGrpSpPr/>
+        <p:nvPr/>
+      </p:nvGrpSpPr>
+      <p:grpSpPr>
+        <a:xfrm>
+          <a:off x="0" y="0"/>
+          <a:ext cx="0" cy="0"/>
+          <a:chOff x="0" y="0"/>
+          <a:chExt cx="0" cy="0"/>
+        </a:xfrm>
+      </p:grpSpPr>
+      <p:sp>
+        <p:nvSpPr>
+          <p:cNvPr id="2" name="幻灯片图像占位符 1"/>
+          <p:cNvSpPr>
+            <a:spLocks noGrp="1" noRot="1" noChangeAspect="1"/>
+          </p:cNvSpPr>
+          <p:nvPr>
+            <p:ph type="sldImg"/>
+          </p:nvPr>
+        </p:nvSpPr>
+        <p:spPr>
+          <a:xfrm>
+            <a:off x="381000" y="685800"/>
+            <a:ext cx="6096000" cy="3429000"/>
+          </a:xfrm>
+        </p:spPr>
+      </p:sp>
+      <p:sp>
+        <p:nvSpPr>
+          <p:cNvPr id="3" name="备注占位符 2"/>
+          <p:cNvSpPr>
+            <a:spLocks noGrp="1"/>
+          </p:cNvSpPr>
+          <p:nvPr>
+            <p:ph type="body" idx="1"/>
+          </p:nvPr>
+        </p:nvSpPr>
+        <p:spPr/>
+        <p:txBody>
+          <a:bodyPr/>
+          <a:lstStyle/>
+          <a:p>
             <a:r>
               <a:rPr lang="zh-CN" altLang="en-US" sz="1200" b="0" i="0" kern="1200" dirty="0" smtClean="0">
                 <a:solidFill>
@@ -2384,98 +2672,6 @@
     <p:extLst>
       <p:ext uri="{BB962C8B-B14F-4D97-AF65-F5344CB8AC3E}">
         <p14:creationId xmlns:p14="http://schemas.microsoft.com/office/powerpoint/2010/main" val="2217412893"/>
-      </p:ext>
-    </p:extLst>
-  </p:cSld>
-  <p:clrMapOvr>
-    <a:masterClrMapping/>
-  </p:clrMapOvr>
-</p:notes>
-</file>
-
-<file path=ppt/notesSlides/notesSlide7.xml><?xml version="1.0" encoding="utf-8"?>
-<p:notes xmlns:a="http://schemas.openxmlformats.org/drawingml/2006/main" xmlns:r="http://schemas.openxmlformats.org/officeDocument/2006/relationships" xmlns:p="http://schemas.openxmlformats.org/presentationml/2006/main">
-  <p:cSld>
-    <p:spTree>
-      <p:nvGrpSpPr>
-        <p:cNvPr id="1" name=""/>
-        <p:cNvGrpSpPr/>
-        <p:nvPr/>
-      </p:nvGrpSpPr>
-      <p:grpSpPr>
-        <a:xfrm>
-          <a:off x="0" y="0"/>
-          <a:ext cx="0" cy="0"/>
-          <a:chOff x="0" y="0"/>
-          <a:chExt cx="0" cy="0"/>
-        </a:xfrm>
-      </p:grpSpPr>
-      <p:sp>
-        <p:nvSpPr>
-          <p:cNvPr id="2" name="幻灯片图像占位符 1"/>
-          <p:cNvSpPr>
-            <a:spLocks noGrp="1" noRot="1" noChangeAspect="1"/>
-          </p:cNvSpPr>
-          <p:nvPr>
-            <p:ph type="sldImg"/>
-          </p:nvPr>
-        </p:nvSpPr>
-        <p:spPr/>
-      </p:sp>
-      <p:sp>
-        <p:nvSpPr>
-          <p:cNvPr id="3" name="备注占位符 2"/>
-          <p:cNvSpPr>
-            <a:spLocks noGrp="1"/>
-          </p:cNvSpPr>
-          <p:nvPr>
-            <p:ph type="body" idx="1"/>
-          </p:nvPr>
-        </p:nvSpPr>
-        <p:spPr/>
-        <p:txBody>
-          <a:bodyPr/>
-          <a:lstStyle/>
-          <a:p>
-            <a:r>
-              <a:rPr lang="en-US" altLang="zh-CN" dirty="0" smtClean="0"/>
-              <a:t>https://www.cnblogs.com/wolipengbo/p/3427574.html</a:t>
-            </a:r>
-            <a:r>
-              <a:rPr lang="zh-CN" altLang="en-US" baseline="0" dirty="0" smtClean="0"/>
-              <a:t> </a:t>
-            </a:r>
-            <a:endParaRPr lang="en-US" altLang="zh-CN" dirty="0" smtClean="0"/>
-          </a:p>
-        </p:txBody>
-      </p:sp>
-      <p:sp>
-        <p:nvSpPr>
-          <p:cNvPr id="4" name="灯片编号占位符 3"/>
-          <p:cNvSpPr>
-            <a:spLocks noGrp="1"/>
-          </p:cNvSpPr>
-          <p:nvPr>
-            <p:ph type="sldNum" sz="quarter" idx="10"/>
-          </p:nvPr>
-        </p:nvSpPr>
-        <p:spPr/>
-        <p:txBody>
-          <a:bodyPr/>
-          <a:lstStyle/>
-          <a:p>
-            <a:fld id="{67AFED13-18EC-4853-B935-6E23F2540B2D}" type="slidenum">
-              <a:rPr lang="zh-CN" altLang="en-US" smtClean="0"/>
-              <a:t>18</a:t>
-            </a:fld>
-            <a:endParaRPr lang="zh-CN" altLang="en-US"/>
-          </a:p>
-        </p:txBody>
-      </p:sp>
-    </p:spTree>
-    <p:extLst>
-      <p:ext uri="{BB962C8B-B14F-4D97-AF65-F5344CB8AC3E}">
-        <p14:creationId xmlns:p14="http://schemas.microsoft.com/office/powerpoint/2010/main" val="1871693541"/>
       </p:ext>
     </p:extLst>
   </p:cSld>
@@ -2529,15 +2725,7 @@
           <a:bodyPr/>
           <a:lstStyle/>
           <a:p>
-            <a:r>
-              <a:rPr lang="en-US" altLang="zh-CN" dirty="0" smtClean="0"/>
-              <a:t>https://www.cnblogs.com/wolipengbo/p/3427574.html</a:t>
-            </a:r>
-            <a:r>
-              <a:rPr lang="zh-CN" altLang="en-US" baseline="0" dirty="0" smtClean="0"/>
-              <a:t> </a:t>
-            </a:r>
-            <a:endParaRPr lang="en-US" altLang="zh-CN" dirty="0" smtClean="0"/>
+            <a:endParaRPr lang="zh-CN" altLang="en-US" dirty="0"/>
           </a:p>
         </p:txBody>
       </p:sp>
@@ -2558,7 +2746,7 @@
           <a:p>
             <a:fld id="{67AFED13-18EC-4853-B935-6E23F2540B2D}" type="slidenum">
               <a:rPr lang="zh-CN" altLang="en-US" smtClean="0"/>
-              <a:t>19</a:t>
+              <a:t>15</a:t>
             </a:fld>
             <a:endParaRPr lang="zh-CN" altLang="en-US"/>
           </a:p>
@@ -2567,7 +2755,7 @@
     </p:spTree>
     <p:extLst>
       <p:ext uri="{BB962C8B-B14F-4D97-AF65-F5344CB8AC3E}">
-        <p14:creationId xmlns:p14="http://schemas.microsoft.com/office/powerpoint/2010/main" val="1801044331"/>
+        <p14:creationId xmlns:p14="http://schemas.microsoft.com/office/powerpoint/2010/main" val="1231804187"/>
       </p:ext>
     </p:extLst>
   </p:cSld>
@@ -2622,22 +2810,14 @@
           <a:lstStyle/>
           <a:p>
             <a:r>
-              <a:rPr lang="en-US" altLang="zh-CN" sz="1200" b="1" dirty="0" smtClean="0">
-                <a:solidFill>
-                  <a:srgbClr val="FF0000"/>
-                </a:solidFill>
-              </a:rPr>
-              <a:t>scheme</a:t>
-            </a:r>
-            <a:r>
-              <a:rPr lang="zh-CN" altLang="en-US" sz="1200" b="1" dirty="0" smtClean="0">
-                <a:solidFill>
-                  <a:srgbClr val="FF0000"/>
-                </a:solidFill>
-              </a:rPr>
-              <a:t>：协议名称</a:t>
-            </a:r>
-            <a:endParaRPr lang="zh-CN" altLang="en-US" dirty="0"/>
+              <a:rPr lang="en-US" altLang="zh-CN" dirty="0" smtClean="0"/>
+              <a:t>https://www.cnblogs.com/wolipengbo/p/3427574.html</a:t>
+            </a:r>
+            <a:r>
+              <a:rPr lang="zh-CN" altLang="en-US" baseline="0" dirty="0" smtClean="0"/>
+              <a:t> </a:t>
+            </a:r>
+            <a:endParaRPr lang="en-US" altLang="zh-CN" dirty="0" smtClean="0"/>
           </a:p>
         </p:txBody>
       </p:sp>
@@ -2658,7 +2838,7 @@
           <a:p>
             <a:fld id="{67AFED13-18EC-4853-B935-6E23F2540B2D}" type="slidenum">
               <a:rPr lang="zh-CN" altLang="en-US" smtClean="0"/>
-              <a:t>22</a:t>
+              <a:t>18</a:t>
             </a:fld>
             <a:endParaRPr lang="zh-CN" altLang="en-US"/>
           </a:p>
@@ -2667,7 +2847,7 @@
     </p:spTree>
     <p:extLst>
       <p:ext uri="{BB962C8B-B14F-4D97-AF65-F5344CB8AC3E}">
-        <p14:creationId xmlns:p14="http://schemas.microsoft.com/office/powerpoint/2010/main" val="183134636"/>
+        <p14:creationId xmlns:p14="http://schemas.microsoft.com/office/powerpoint/2010/main" val="1871693541"/>
       </p:ext>
     </p:extLst>
   </p:cSld>
@@ -3746,7 +3926,7 @@
           <a:p>
             <a:fld id="{530820CF-B880-4189-942D-D702A7CBA730}" type="datetimeFigureOut">
               <a:rPr lang="zh-CN" altLang="en-US" smtClean="0"/>
-              <a:t>2018/3/21</a:t>
+              <a:t>2018/10/21</a:t>
             </a:fld>
             <a:endParaRPr lang="zh-CN" altLang="en-US"/>
           </a:p>
@@ -3865,7 +4045,7 @@
           <a:p>
             <a:fld id="{530820CF-B880-4189-942D-D702A7CBA730}" type="datetimeFigureOut">
               <a:rPr lang="zh-CN" altLang="en-US" smtClean="0"/>
-              <a:t>2018/3/21</a:t>
+              <a:t>2018/10/21</a:t>
             </a:fld>
             <a:endParaRPr lang="zh-CN" altLang="en-US"/>
           </a:p>
@@ -4268,7 +4448,7 @@
           <a:p>
             <a:fld id="{530820CF-B880-4189-942D-D702A7CBA730}" type="datetimeFigureOut">
               <a:rPr lang="zh-CN" altLang="en-US" smtClean="0"/>
-              <a:t>2018/3/21</a:t>
+              <a:t>2018/10/21</a:t>
             </a:fld>
             <a:endParaRPr lang="zh-CN" altLang="en-US"/>
           </a:p>
@@ -5156,7 +5336,7 @@
               <a:defRPr/>
             </a:pPr>
             <a:r>
-              <a:rPr lang="en-US" altLang="zh-CN" sz="3200" b="1" smtClean="0">
+              <a:rPr lang="en-US" altLang="zh-CN" sz="3200" b="1" dirty="0" smtClean="0">
                 <a:solidFill>
                   <a:schemeClr val="tx1">
                     <a:lumMod val="85000"/>
@@ -5168,7 +5348,7 @@
               <a:t>-</a:t>
             </a:r>
             <a:r>
-              <a:rPr lang="zh-CN" altLang="en-US" sz="3200" b="1" smtClean="0">
+              <a:rPr lang="zh-CN" altLang="en-US" sz="3200" b="1" dirty="0" smtClean="0">
                 <a:solidFill>
                   <a:schemeClr val="tx1">
                     <a:lumMod val="85000"/>
@@ -5180,7 +5360,7 @@
               <a:t> </a:t>
             </a:r>
             <a:r>
-              <a:rPr lang="en-US" altLang="zh-CN" sz="3200" b="1" smtClean="0">
+              <a:rPr lang="en-US" altLang="zh-CN" sz="3200" b="1" dirty="0" err="1" smtClean="0">
                 <a:solidFill>
                   <a:srgbClr val="C00000"/>
                 </a:solidFill>
@@ -5189,7 +5369,7 @@
               <a:t>setClass</a:t>
             </a:r>
             <a:r>
-              <a:rPr lang="en-US" altLang="zh-CN" sz="3200" b="1" smtClean="0">
+              <a:rPr lang="en-US" altLang="zh-CN" sz="3200" b="1" dirty="0" smtClean="0">
                 <a:solidFill>
                   <a:schemeClr val="tx1">
                     <a:lumMod val="85000"/>
@@ -5201,7 +5381,7 @@
               <a:t>(Context </a:t>
             </a:r>
             <a:r>
-              <a:rPr lang="en-US" altLang="zh-CN" sz="3200" b="1">
+              <a:rPr lang="en-US" altLang="zh-CN" sz="3200" b="1" dirty="0" err="1">
                 <a:solidFill>
                   <a:schemeClr val="tx1">
                     <a:lumMod val="85000"/>
@@ -5213,7 +5393,7 @@
               <a:t>packageContext</a:t>
             </a:r>
             <a:r>
-              <a:rPr lang="en-US" altLang="zh-CN" sz="3200" b="1" smtClean="0">
+              <a:rPr lang="en-US" altLang="zh-CN" sz="3200" b="1" dirty="0" smtClean="0">
                 <a:solidFill>
                   <a:schemeClr val="tx1">
                     <a:lumMod val="85000"/>
@@ -5225,7 +5405,7 @@
               <a:t>, Class</a:t>
             </a:r>
             <a:r>
-              <a:rPr lang="en-US" altLang="zh-CN" sz="3200" b="1">
+              <a:rPr lang="en-US" altLang="zh-CN" sz="3200" b="1" dirty="0">
                 <a:solidFill>
                   <a:schemeClr val="tx1">
                     <a:lumMod val="85000"/>
@@ -5234,7 +5414,31 @@
                 </a:solidFill>
                 <a:latin typeface="Consolas" panose="020B0609020204030204" pitchFamily="49" charset="0"/>
               </a:rPr>
-              <a:t>&lt;?&gt; cls)</a:t>
+              <a:t>&lt;?&gt; </a:t>
+            </a:r>
+            <a:r>
+              <a:rPr lang="en-US" altLang="zh-CN" sz="3200" b="1" dirty="0" err="1">
+                <a:solidFill>
+                  <a:schemeClr val="tx1">
+                    <a:lumMod val="85000"/>
+                    <a:lumOff val="15000"/>
+                  </a:schemeClr>
+                </a:solidFill>
+                <a:latin typeface="Consolas" panose="020B0609020204030204" pitchFamily="49" charset="0"/>
+              </a:rPr>
+              <a:t>cls</a:t>
+            </a:r>
+            <a:r>
+              <a:rPr lang="en-US" altLang="zh-CN" sz="3200" b="1" dirty="0">
+                <a:solidFill>
+                  <a:schemeClr val="tx1">
+                    <a:lumMod val="85000"/>
+                    <a:lumOff val="15000"/>
+                  </a:schemeClr>
+                </a:solidFill>
+                <a:latin typeface="Consolas" panose="020B0609020204030204" pitchFamily="49" charset="0"/>
+              </a:rPr>
+              <a:t>)</a:t>
             </a:r>
           </a:p>
           <a:p>
@@ -5245,7 +5449,7 @@
               <a:defRPr/>
             </a:pPr>
             <a:r>
-              <a:rPr lang="en-US" altLang="zh-CN" sz="3200" b="1" smtClean="0">
+              <a:rPr lang="en-US" altLang="zh-CN" sz="3200" b="1" dirty="0" smtClean="0">
                 <a:solidFill>
                   <a:schemeClr val="tx1">
                     <a:lumMod val="85000"/>
@@ -5257,7 +5461,7 @@
               <a:t>- </a:t>
             </a:r>
             <a:r>
-              <a:rPr lang="en-US" altLang="zh-CN" sz="3200" b="1" smtClean="0">
+              <a:rPr lang="en-US" altLang="zh-CN" sz="3200" b="1" dirty="0" err="1" smtClean="0">
                 <a:solidFill>
                   <a:srgbClr val="C00000"/>
                 </a:solidFill>
@@ -5266,7 +5470,7 @@
               <a:t>setClassName</a:t>
             </a:r>
             <a:r>
-              <a:rPr lang="en-US" altLang="zh-CN" sz="3200" b="1" smtClean="0">
+              <a:rPr lang="en-US" altLang="zh-CN" sz="3200" b="1" dirty="0" smtClean="0">
                 <a:solidFill>
                   <a:schemeClr val="tx1">
                     <a:lumMod val="85000"/>
@@ -5278,7 +5482,7 @@
               <a:t>(Context </a:t>
             </a:r>
             <a:r>
-              <a:rPr lang="en-US" altLang="zh-CN" sz="3200" b="1">
+              <a:rPr lang="en-US" altLang="zh-CN" sz="3200" b="1" dirty="0" err="1">
                 <a:solidFill>
                   <a:schemeClr val="tx1">
                     <a:lumMod val="85000"/>
@@ -5287,9 +5491,21 @@
                 </a:solidFill>
                 <a:latin typeface="Consolas" panose="020B0609020204030204" pitchFamily="49" charset="0"/>
               </a:rPr>
-              <a:t>packageContext, </a:t>
-            </a:r>
-            <a:endParaRPr lang="en-US" altLang="zh-CN" sz="3200" b="1" smtClean="0">
+              <a:t>packageContext</a:t>
+            </a:r>
+            <a:r>
+              <a:rPr lang="en-US" altLang="zh-CN" sz="3200" b="1" dirty="0">
+                <a:solidFill>
+                  <a:schemeClr val="tx1">
+                    <a:lumMod val="85000"/>
+                    <a:lumOff val="15000"/>
+                  </a:schemeClr>
+                </a:solidFill>
+                <a:latin typeface="Consolas" panose="020B0609020204030204" pitchFamily="49" charset="0"/>
+              </a:rPr>
+              <a:t>, </a:t>
+            </a:r>
+            <a:endParaRPr lang="en-US" altLang="zh-CN" sz="3200" b="1" dirty="0" smtClean="0">
               <a:solidFill>
                 <a:schemeClr val="tx1">
                   <a:lumMod val="85000"/>
@@ -5304,7 +5520,7 @@
               <a:defRPr/>
             </a:pPr>
             <a:r>
-              <a:rPr lang="en-US" altLang="zh-CN" sz="3200" b="1" smtClean="0">
+              <a:rPr lang="en-US" altLang="zh-CN" sz="3200" b="1" dirty="0" smtClean="0">
                 <a:solidFill>
                   <a:schemeClr val="tx1">
                     <a:lumMod val="85000"/>
@@ -5316,7 +5532,7 @@
               <a:t>               String </a:t>
             </a:r>
             <a:r>
-              <a:rPr lang="en-US" altLang="zh-CN" sz="3200" b="1">
+              <a:rPr lang="en-US" altLang="zh-CN" sz="3200" b="1" dirty="0" err="1">
                 <a:solidFill>
                   <a:schemeClr val="tx1">
                     <a:lumMod val="85000"/>
@@ -5325,7 +5541,19 @@
                 </a:solidFill>
                 <a:latin typeface="Consolas" panose="020B0609020204030204" pitchFamily="49" charset="0"/>
               </a:rPr>
-              <a:t>className)</a:t>
+              <a:t>className</a:t>
+            </a:r>
+            <a:r>
+              <a:rPr lang="en-US" altLang="zh-CN" sz="3200" b="1" dirty="0">
+                <a:solidFill>
+                  <a:schemeClr val="tx1">
+                    <a:lumMod val="85000"/>
+                    <a:lumOff val="15000"/>
+                  </a:schemeClr>
+                </a:solidFill>
+                <a:latin typeface="Consolas" panose="020B0609020204030204" pitchFamily="49" charset="0"/>
+              </a:rPr>
+              <a:t>)</a:t>
             </a:r>
           </a:p>
           <a:p>
@@ -5336,7 +5564,7 @@
               <a:defRPr/>
             </a:pPr>
             <a:r>
-              <a:rPr lang="en-US" altLang="zh-CN" sz="3200" b="1" smtClean="0">
+              <a:rPr lang="en-US" altLang="zh-CN" sz="3200" b="1" dirty="0" smtClean="0">
                 <a:solidFill>
                   <a:schemeClr val="tx1">
                     <a:lumMod val="85000"/>
@@ -5348,7 +5576,7 @@
               <a:t>- </a:t>
             </a:r>
             <a:r>
-              <a:rPr lang="en-US" altLang="zh-CN" sz="3200" b="1" smtClean="0">
+              <a:rPr lang="en-US" altLang="zh-CN" sz="3200" b="1" dirty="0" err="1" smtClean="0">
                 <a:solidFill>
                   <a:srgbClr val="C00000"/>
                 </a:solidFill>
@@ -5357,7 +5585,7 @@
               <a:t>setClassName</a:t>
             </a:r>
             <a:r>
-              <a:rPr lang="en-US" altLang="zh-CN" sz="3200" b="1" smtClean="0">
+              <a:rPr lang="en-US" altLang="zh-CN" sz="3200" b="1" dirty="0" smtClean="0">
                 <a:solidFill>
                   <a:schemeClr val="tx1">
                     <a:lumMod val="85000"/>
@@ -5369,7 +5597,7 @@
               <a:t>(String </a:t>
             </a:r>
             <a:r>
-              <a:rPr lang="en-US" altLang="zh-CN" sz="3200" b="1">
+              <a:rPr lang="en-US" altLang="zh-CN" sz="3200" b="1" dirty="0" err="1">
                 <a:solidFill>
                   <a:schemeClr val="tx1">
                     <a:lumMod val="85000"/>
@@ -5378,9 +5606,21 @@
                 </a:solidFill>
                 <a:latin typeface="Consolas" panose="020B0609020204030204" pitchFamily="49" charset="0"/>
               </a:rPr>
-              <a:t>packageName, </a:t>
-            </a:r>
-            <a:endParaRPr lang="en-US" altLang="zh-CN" sz="3200" b="1" smtClean="0">
+              <a:t>packageName</a:t>
+            </a:r>
+            <a:r>
+              <a:rPr lang="en-US" altLang="zh-CN" sz="3200" b="1" dirty="0">
+                <a:solidFill>
+                  <a:schemeClr val="tx1">
+                    <a:lumMod val="85000"/>
+                    <a:lumOff val="15000"/>
+                  </a:schemeClr>
+                </a:solidFill>
+                <a:latin typeface="Consolas" panose="020B0609020204030204" pitchFamily="49" charset="0"/>
+              </a:rPr>
+              <a:t>, </a:t>
+            </a:r>
+            <a:endParaRPr lang="en-US" altLang="zh-CN" sz="3200" b="1" dirty="0" smtClean="0">
               <a:solidFill>
                 <a:schemeClr val="tx1">
                   <a:lumMod val="85000"/>
@@ -5395,7 +5635,7 @@
               <a:defRPr/>
             </a:pPr>
             <a:r>
-              <a:rPr lang="en-US" altLang="zh-CN" sz="3200" b="1" smtClean="0">
+              <a:rPr lang="en-US" altLang="zh-CN" sz="3200" b="1" dirty="0" smtClean="0">
                 <a:solidFill>
                   <a:schemeClr val="tx1">
                     <a:lumMod val="85000"/>
@@ -5407,7 +5647,7 @@
               <a:t>               String </a:t>
             </a:r>
             <a:r>
-              <a:rPr lang="en-US" altLang="zh-CN" sz="3200" b="1">
+              <a:rPr lang="en-US" altLang="zh-CN" sz="3200" b="1" dirty="0" err="1">
                 <a:solidFill>
                   <a:schemeClr val="tx1">
                     <a:lumMod val="85000"/>
@@ -5416,17 +5656,20 @@
                 </a:solidFill>
                 <a:latin typeface="Consolas" panose="020B0609020204030204" pitchFamily="49" charset="0"/>
               </a:rPr>
-              <a:t>className)</a:t>
-            </a:r>
-            <a:endParaRPr lang="en-US" altLang="zh-CN" sz="3200" b="1" dirty="0">
-              <a:solidFill>
-                <a:schemeClr val="tx1">
-                  <a:lumMod val="85000"/>
-                  <a:lumOff val="15000"/>
-                </a:schemeClr>
-              </a:solidFill>
-              <a:latin typeface="Consolas" panose="020B0609020204030204" pitchFamily="49" charset="0"/>
-            </a:endParaRPr>
+              <a:t>className</a:t>
+            </a:r>
+            <a:r>
+              <a:rPr lang="en-US" altLang="zh-CN" sz="3200" b="1" dirty="0">
+                <a:solidFill>
+                  <a:schemeClr val="tx1">
+                    <a:lumMod val="85000"/>
+                    <a:lumOff val="15000"/>
+                  </a:schemeClr>
+                </a:solidFill>
+                <a:latin typeface="Consolas" panose="020B0609020204030204" pitchFamily="49" charset="0"/>
+              </a:rPr>
+              <a:t>)</a:t>
+            </a:r>
           </a:p>
         </p:txBody>
       </p:sp>
@@ -5574,17 +5817,6 @@
               <a:t>)</a:t>
             </a:r>
             <a:r>
-              <a:rPr lang="zh-CN" altLang="en-US" sz="3500" dirty="0">
-                <a:solidFill>
-                  <a:schemeClr val="tx1">
-                    <a:lumMod val="85000"/>
-                    <a:lumOff val="15000"/>
-                  </a:schemeClr>
-                </a:solidFill>
-              </a:rPr>
-              <a:t>：目的</a:t>
-            </a:r>
-            <a:r>
               <a:rPr lang="zh-CN" altLang="en-US" sz="3500" dirty="0" smtClean="0">
                 <a:solidFill>
                   <a:schemeClr val="tx1">
@@ -5593,21 +5825,10 @@
                   </a:schemeClr>
                 </a:solidFill>
               </a:rPr>
-              <a:t>组件，明确</a:t>
-            </a:r>
-            <a:r>
-              <a:rPr lang="zh-CN" altLang="en-US" sz="3500" dirty="0">
-                <a:solidFill>
-                  <a:schemeClr val="tx1">
-                    <a:lumMod val="85000"/>
-                    <a:lumOff val="15000"/>
-                  </a:schemeClr>
-                </a:solidFill>
-              </a:rPr>
-              <a:t>指定</a:t>
-            </a:r>
-            <a:r>
-              <a:rPr lang="en-US" altLang="zh-CN" sz="3500" dirty="0">
+              <a:t>：目的组件，明确指定</a:t>
+            </a:r>
+            <a:r>
+              <a:rPr lang="en-US" altLang="zh-CN" sz="3500" dirty="0" smtClean="0">
                 <a:solidFill>
                   <a:schemeClr val="tx1">
                     <a:lumMod val="85000"/>
@@ -5618,17 +5839,6 @@
               <a:t>Intent</a:t>
             </a:r>
             <a:r>
-              <a:rPr lang="zh-CN" altLang="en-US" sz="3500" dirty="0">
-                <a:solidFill>
-                  <a:schemeClr val="tx1">
-                    <a:lumMod val="85000"/>
-                    <a:lumOff val="15000"/>
-                  </a:schemeClr>
-                </a:solidFill>
-              </a:rPr>
-              <a:t>的目标组件的类</a:t>
-            </a:r>
-            <a:r>
               <a:rPr lang="zh-CN" altLang="en-US" sz="3500" dirty="0" smtClean="0">
                 <a:solidFill>
                   <a:schemeClr val="tx1">
@@ -5637,7 +5847,7 @@
                   </a:schemeClr>
                 </a:solidFill>
               </a:rPr>
-              <a:t>名称，</a:t>
+              <a:t>的目标组件的类名称，</a:t>
             </a:r>
             <a:r>
               <a:rPr lang="en-US" altLang="zh-CN" sz="3500" dirty="0" smtClean="0">
@@ -5673,7 +5883,7 @@
               <a:t>ComponentName</a:t>
             </a:r>
             <a:r>
-              <a:rPr lang="zh-CN" altLang="en-US" sz="3500" smtClean="0">
+              <a:rPr lang="zh-CN" altLang="en-US" sz="3500" dirty="0" smtClean="0">
                 <a:solidFill>
                   <a:schemeClr val="tx1">
                     <a:lumMod val="85000"/>
@@ -5683,7 +5893,7 @@
               </a:rPr>
               <a:t>对象。</a:t>
             </a:r>
-            <a:endParaRPr lang="en-US" altLang="zh-CN" smtClean="0"/>
+            <a:endParaRPr lang="en-US" altLang="zh-CN" dirty="0" smtClean="0"/>
           </a:p>
         </p:txBody>
       </p:sp>
@@ -6332,21 +6542,21 @@
                 <a:gridCol w="3008766">
                   <a:extLst>
                     <a:ext uri="{9D8B030D-6E8A-4147-A177-3AD203B41FA5}">
-                      <a16:colId xmlns:a16="http://schemas.microsoft.com/office/drawing/2014/main" val="2397425309"/>
+                      <a16:colId xmlns="" xmlns:a16="http://schemas.microsoft.com/office/drawing/2014/main" val="2397425309"/>
                     </a:ext>
                   </a:extLst>
                 </a:gridCol>
                 <a:gridCol w="3372396">
                   <a:extLst>
                     <a:ext uri="{9D8B030D-6E8A-4147-A177-3AD203B41FA5}">
-                      <a16:colId xmlns:a16="http://schemas.microsoft.com/office/drawing/2014/main" val="1497543612"/>
+                      <a16:colId xmlns="" xmlns:a16="http://schemas.microsoft.com/office/drawing/2014/main" val="1497543612"/>
                     </a:ext>
                   </a:extLst>
                 </a:gridCol>
                 <a:gridCol w="2907871">
                   <a:extLst>
                     <a:ext uri="{9D8B030D-6E8A-4147-A177-3AD203B41FA5}">
-                      <a16:colId xmlns:a16="http://schemas.microsoft.com/office/drawing/2014/main" val="4279983922"/>
+                      <a16:colId xmlns="" xmlns:a16="http://schemas.microsoft.com/office/drawing/2014/main" val="4279983922"/>
                     </a:ext>
                   </a:extLst>
                 </a:gridCol>
@@ -6601,7 +6811,7 @@
                 </a:tc>
                 <a:extLst>
                   <a:ext uri="{0D108BD9-81ED-4DB2-BD59-A6C34878D82A}">
-                    <a16:rowId xmlns:a16="http://schemas.microsoft.com/office/drawing/2014/main" val="1911680554"/>
+                    <a16:rowId xmlns="" xmlns:a16="http://schemas.microsoft.com/office/drawing/2014/main" val="1911680554"/>
                   </a:ext>
                 </a:extLst>
               </a:tr>
@@ -6863,7 +7073,7 @@
                 </a:tc>
                 <a:extLst>
                   <a:ext uri="{0D108BD9-81ED-4DB2-BD59-A6C34878D82A}">
-                    <a16:rowId xmlns:a16="http://schemas.microsoft.com/office/drawing/2014/main" val="808559828"/>
+                    <a16:rowId xmlns="" xmlns:a16="http://schemas.microsoft.com/office/drawing/2014/main" val="808559828"/>
                   </a:ext>
                 </a:extLst>
               </a:tr>
@@ -7107,7 +7317,7 @@
                 </a:tc>
                 <a:extLst>
                   <a:ext uri="{0D108BD9-81ED-4DB2-BD59-A6C34878D82A}">
-                    <a16:rowId xmlns:a16="http://schemas.microsoft.com/office/drawing/2014/main" val="1303605175"/>
+                    <a16:rowId xmlns="" xmlns:a16="http://schemas.microsoft.com/office/drawing/2014/main" val="1303605175"/>
                   </a:ext>
                 </a:extLst>
               </a:tr>
@@ -7382,7 +7592,7 @@
                 </a:tc>
                 <a:extLst>
                   <a:ext uri="{0D108BD9-81ED-4DB2-BD59-A6C34878D82A}">
-                    <a16:rowId xmlns:a16="http://schemas.microsoft.com/office/drawing/2014/main" val="3153894341"/>
+                    <a16:rowId xmlns="" xmlns:a16="http://schemas.microsoft.com/office/drawing/2014/main" val="3153894341"/>
                   </a:ext>
                 </a:extLst>
               </a:tr>
@@ -7631,7 +7841,7 @@
                 </a:tc>
                 <a:extLst>
                   <a:ext uri="{0D108BD9-81ED-4DB2-BD59-A6C34878D82A}">
-                    <a16:rowId xmlns:a16="http://schemas.microsoft.com/office/drawing/2014/main" val="1955853878"/>
+                    <a16:rowId xmlns="" xmlns:a16="http://schemas.microsoft.com/office/drawing/2014/main" val="1955853878"/>
                   </a:ext>
                 </a:extLst>
               </a:tr>
@@ -7829,7 +8039,7 @@
                 </a:tc>
                 <a:extLst>
                   <a:ext uri="{0D108BD9-81ED-4DB2-BD59-A6C34878D82A}">
-                    <a16:rowId xmlns:a16="http://schemas.microsoft.com/office/drawing/2014/main" val="2846792953"/>
+                    <a16:rowId xmlns="" xmlns:a16="http://schemas.microsoft.com/office/drawing/2014/main" val="2846792953"/>
                   </a:ext>
                 </a:extLst>
               </a:tr>
@@ -11419,18 +11629,10 @@
                   <a:srgbClr val="C00000"/>
                 </a:solidFill>
               </a:rPr>
-              <a:t>子</a:t>
-            </a:r>
-            <a:r>
-              <a:rPr lang="zh-CN" altLang="en-US" sz="3200" smtClean="0">
-                <a:solidFill>
-                  <a:srgbClr val="C00000"/>
-                </a:solidFill>
-              </a:rPr>
-              <a:t>元素</a:t>
-            </a:r>
-            <a:r>
-              <a:rPr lang="zh-CN" altLang="en-US" sz="3200" smtClean="0">
+              <a:t>子元素</a:t>
+            </a:r>
+            <a:r>
+              <a:rPr lang="zh-CN" altLang="en-US" sz="3200" dirty="0" smtClean="0">
                 <a:solidFill>
                   <a:schemeClr val="tx1">
                     <a:lumMod val="85000"/>
@@ -11636,7 +11838,7 @@
               <a:defRPr/>
             </a:pPr>
             <a:r>
-              <a:rPr lang="zh-CN" altLang="en-US" sz="3200" smtClean="0">
+              <a:rPr lang="zh-CN" altLang="en-US" sz="3200" dirty="0" smtClean="0">
                 <a:solidFill>
                   <a:schemeClr val="tx1">
                     <a:lumMod val="85000"/>
@@ -12630,18 +12832,10 @@
                   <a:srgbClr val="C00000"/>
                 </a:solidFill>
               </a:rPr>
-              <a:t>子</a:t>
-            </a:r>
-            <a:r>
-              <a:rPr lang="zh-CN" altLang="en-US" sz="3200" smtClean="0">
-                <a:solidFill>
-                  <a:srgbClr val="C00000"/>
-                </a:solidFill>
-              </a:rPr>
-              <a:t>元素</a:t>
-            </a:r>
-            <a:r>
-              <a:rPr lang="zh-CN" altLang="en-US" sz="3200" smtClean="0">
+              <a:t>子元素</a:t>
+            </a:r>
+            <a:r>
+              <a:rPr lang="zh-CN" altLang="en-US" sz="3200" dirty="0" smtClean="0">
                 <a:solidFill>
                   <a:schemeClr val="tx1">
                     <a:lumMod val="85000"/>
@@ -12847,7 +13041,7 @@
               <a:defRPr/>
             </a:pPr>
             <a:r>
-              <a:rPr lang="zh-CN" altLang="en-US" sz="3200" smtClean="0">
+              <a:rPr lang="zh-CN" altLang="en-US" sz="3200" dirty="0" smtClean="0">
                 <a:solidFill>
                   <a:schemeClr val="tx1">
                     <a:lumMod val="85000"/>
@@ -13096,7 +13290,7 @@
               <a:t>属性</a:t>
             </a:r>
             <a:r>
-              <a:rPr lang="en-US" altLang="zh-CN" sz="3200" smtClean="0">
+              <a:rPr lang="en-US" altLang="zh-CN" sz="3200" dirty="0" err="1" smtClean="0">
                 <a:solidFill>
                   <a:srgbClr val="C00000"/>
                 </a:solidFill>
@@ -13104,7 +13298,7 @@
               <a:t>Intent.DEFAULT</a:t>
             </a:r>
             <a:r>
-              <a:rPr lang="zh-CN" altLang="en-US" sz="3200" smtClean="0">
+              <a:rPr lang="zh-CN" altLang="en-US" sz="3200" dirty="0" smtClean="0">
                 <a:solidFill>
                   <a:schemeClr val="tx1">
                     <a:lumMod val="85000"/>
@@ -13194,7 +13388,7 @@
         </p:nvSpPr>
         <p:spPr>
           <a:xfrm>
-            <a:off x="1616366" y="5589240"/>
+            <a:off x="1693900" y="5589240"/>
             <a:ext cx="9520194" cy="1124744"/>
           </a:xfrm>
           <a:prstGeom prst="rect">
@@ -13323,9 +13517,80 @@
   <p:timing>
     <p:tnLst>
       <p:par>
-        <p:cTn id="1" dur="indefinite" restart="never" nodeType="tmRoot"/>
+        <p:cTn id="1" dur="indefinite" restart="never" nodeType="tmRoot">
+          <p:childTnLst>
+            <p:seq concurrent="1" nextAc="seek">
+              <p:cTn id="2" dur="indefinite" nodeType="mainSeq">
+                <p:childTnLst>
+                  <p:par>
+                    <p:cTn id="3" fill="hold">
+                      <p:stCondLst>
+                        <p:cond delay="indefinite"/>
+                      </p:stCondLst>
+                      <p:childTnLst>
+                        <p:par>
+                          <p:cTn id="4" fill="hold">
+                            <p:stCondLst>
+                              <p:cond delay="0"/>
+                            </p:stCondLst>
+                            <p:childTnLst>
+                              <p:par>
+                                <p:cTn id="5" presetID="1" presetClass="entr" presetSubtype="0" fill="hold" grpId="0" nodeType="clickEffect">
+                                  <p:stCondLst>
+                                    <p:cond delay="0"/>
+                                  </p:stCondLst>
+                                  <p:childTnLst>
+                                    <p:set>
+                                      <p:cBhvr>
+                                        <p:cTn id="6" dur="1" fill="hold">
+                                          <p:stCondLst>
+                                            <p:cond delay="0"/>
+                                          </p:stCondLst>
+                                        </p:cTn>
+                                        <p:tgtEl>
+                                          <p:spTgt spid="5"/>
+                                        </p:tgtEl>
+                                        <p:attrNameLst>
+                                          <p:attrName>style.visibility</p:attrName>
+                                        </p:attrNameLst>
+                                      </p:cBhvr>
+                                      <p:to>
+                                        <p:strVal val="visible"/>
+                                      </p:to>
+                                    </p:set>
+                                  </p:childTnLst>
+                                </p:cTn>
+                              </p:par>
+                            </p:childTnLst>
+                          </p:cTn>
+                        </p:par>
+                      </p:childTnLst>
+                    </p:cTn>
+                  </p:par>
+                </p:childTnLst>
+              </p:cTn>
+              <p:prevCondLst>
+                <p:cond evt="onPrev" delay="0">
+                  <p:tgtEl>
+                    <p:sldTgt/>
+                  </p:tgtEl>
+                </p:cond>
+              </p:prevCondLst>
+              <p:nextCondLst>
+                <p:cond evt="onNext" delay="0">
+                  <p:tgtEl>
+                    <p:sldTgt/>
+                  </p:tgtEl>
+                </p:cond>
+              </p:nextCondLst>
+            </p:seq>
+          </p:childTnLst>
+        </p:cTn>
       </p:par>
     </p:tnLst>
+    <p:bldLst>
+      <p:bldP spid="5" grpId="0" animBg="1"/>
+    </p:bldLst>
   </p:timing>
 </p:sld>
 </file>
@@ -16889,7 +17154,40 @@
                   </a:schemeClr>
                 </a:solidFill>
               </a:rPr>
-              <a:t>Task(</a:t>
+              <a:t>Task</a:t>
+            </a:r>
+            <a:r>
+              <a:rPr lang="en-US" altLang="zh-CN" dirty="0" smtClean="0">
+                <a:solidFill>
+                  <a:schemeClr val="tx1">
+                    <a:lumMod val="85000"/>
+                    <a:lumOff val="15000"/>
+                  </a:schemeClr>
+                </a:solidFill>
+              </a:rPr>
+              <a:t>(</a:t>
+            </a:r>
+            <a:r>
+              <a:rPr lang="zh-CN" altLang="en-US" dirty="0" smtClean="0">
+                <a:solidFill>
+                  <a:schemeClr val="tx1">
+                    <a:lumMod val="85000"/>
+                    <a:lumOff val="15000"/>
+                  </a:schemeClr>
+                </a:solidFill>
+              </a:rPr>
+              <a:t>活动栈</a:t>
+            </a:r>
+            <a:r>
+              <a:rPr lang="en-US" altLang="zh-CN" dirty="0">
+                <a:solidFill>
+                  <a:schemeClr val="tx1">
+                    <a:lumMod val="85000"/>
+                    <a:lumOff val="15000"/>
+                  </a:schemeClr>
+                </a:solidFill>
+              </a:rPr>
+              <a:t>)</a:t>
             </a:r>
             <a:r>
               <a:rPr lang="zh-CN" altLang="en-US" dirty="0">
@@ -16900,32 +17198,10 @@
                   </a:schemeClr>
                 </a:solidFill>
               </a:rPr>
-              <a:t>栈</a:t>
-            </a:r>
-            <a:r>
-              <a:rPr lang="en-US" altLang="zh-CN" dirty="0">
-                <a:solidFill>
-                  <a:schemeClr val="tx1">
-                    <a:lumMod val="85000"/>
-                    <a:lumOff val="15000"/>
-                  </a:schemeClr>
-                </a:solidFill>
-              </a:rPr>
-              <a:t>)</a:t>
-            </a:r>
-            <a:r>
-              <a:rPr lang="zh-CN" altLang="en-US">
-                <a:solidFill>
-                  <a:schemeClr val="tx1">
-                    <a:lumMod val="85000"/>
-                    <a:lumOff val="15000"/>
-                  </a:schemeClr>
-                </a:solidFill>
-              </a:rPr>
               <a:t>的</a:t>
             </a:r>
             <a:r>
-              <a:rPr lang="zh-CN" altLang="en-US" smtClean="0">
+              <a:rPr lang="zh-CN" altLang="en-US" dirty="0" smtClean="0">
                 <a:solidFill>
                   <a:schemeClr val="tx1">
                     <a:lumMod val="85000"/>
@@ -17212,21 +17488,10 @@
                   </a:schemeClr>
                 </a:solidFill>
               </a:rPr>
-              <a:t>从最</a:t>
-            </a:r>
-            <a:r>
-              <a:rPr lang="zh-CN" altLang="en-US" sz="3200">
-                <a:solidFill>
-                  <a:schemeClr val="tx1">
-                    <a:lumMod val="85000"/>
-                    <a:lumOff val="15000"/>
-                  </a:schemeClr>
-                </a:solidFill>
-              </a:rPr>
-              <a:t>顶端</a:t>
-            </a:r>
-            <a:r>
-              <a:rPr lang="zh-CN" altLang="en-US" sz="3200" smtClean="0">
+              <a:t>从最顶端</a:t>
+            </a:r>
+            <a:r>
+              <a:rPr lang="zh-CN" altLang="en-US" sz="3200" dirty="0" smtClean="0">
                 <a:solidFill>
                   <a:schemeClr val="tx1">
                     <a:lumMod val="85000"/>
@@ -17304,21 +17569,10 @@
                   </a:schemeClr>
                 </a:solidFill>
               </a:rPr>
-              <a:t>的</a:t>
-            </a:r>
-            <a:r>
-              <a:rPr lang="zh-CN" altLang="en-US" smtClean="0">
-                <a:solidFill>
-                  <a:schemeClr val="tx1">
-                    <a:lumMod val="85000"/>
-                    <a:lumOff val="15000"/>
-                  </a:schemeClr>
-                </a:solidFill>
-              </a:rPr>
-              <a:t>运行模式</a:t>
-            </a:r>
-            <a:r>
-              <a:rPr lang="zh-CN" altLang="en-US">
+              <a:t>的运行模式</a:t>
+            </a:r>
+            <a:r>
+              <a:rPr lang="zh-CN" altLang="en-US" dirty="0">
                 <a:solidFill>
                   <a:schemeClr val="tx1">
                     <a:lumMod val="85000"/>
@@ -22106,14 +22360,14 @@
                 <a:gridCol w="4161264">
                   <a:extLst>
                     <a:ext uri="{9D8B030D-6E8A-4147-A177-3AD203B41FA5}">
-                      <a16:colId xmlns:a16="http://schemas.microsoft.com/office/drawing/2014/main" val="967325757"/>
+                      <a16:colId xmlns="" xmlns:a16="http://schemas.microsoft.com/office/drawing/2014/main" val="967325757"/>
                     </a:ext>
                   </a:extLst>
                 </a:gridCol>
                 <a:gridCol w="4464495">
                   <a:extLst>
                     <a:ext uri="{9D8B030D-6E8A-4147-A177-3AD203B41FA5}">
-                      <a16:colId xmlns:a16="http://schemas.microsoft.com/office/drawing/2014/main" val="18751488"/>
+                      <a16:colId xmlns="" xmlns:a16="http://schemas.microsoft.com/office/drawing/2014/main" val="18751488"/>
                     </a:ext>
                   </a:extLst>
                 </a:gridCol>
@@ -22296,7 +22550,7 @@
                 </a:tc>
                 <a:extLst>
                   <a:ext uri="{0D108BD9-81ED-4DB2-BD59-A6C34878D82A}">
-                    <a16:rowId xmlns:a16="http://schemas.microsoft.com/office/drawing/2014/main" val="1526201701"/>
+                    <a16:rowId xmlns="" xmlns:a16="http://schemas.microsoft.com/office/drawing/2014/main" val="1526201701"/>
                   </a:ext>
                 </a:extLst>
               </a:tr>
@@ -22481,7 +22735,7 @@
                 </a:tc>
                 <a:extLst>
                   <a:ext uri="{0D108BD9-81ED-4DB2-BD59-A6C34878D82A}">
-                    <a16:rowId xmlns:a16="http://schemas.microsoft.com/office/drawing/2014/main" val="1399469765"/>
+                    <a16:rowId xmlns="" xmlns:a16="http://schemas.microsoft.com/office/drawing/2014/main" val="1399469765"/>
                   </a:ext>
                 </a:extLst>
               </a:tr>
@@ -22718,7 +22972,7 @@
                 </a:tc>
                 <a:extLst>
                   <a:ext uri="{0D108BD9-81ED-4DB2-BD59-A6C34878D82A}">
-                    <a16:rowId xmlns:a16="http://schemas.microsoft.com/office/drawing/2014/main" val="1467372124"/>
+                    <a16:rowId xmlns="" xmlns:a16="http://schemas.microsoft.com/office/drawing/2014/main" val="1467372124"/>
                   </a:ext>
                 </a:extLst>
               </a:tr>
@@ -23192,14 +23446,14 @@
                 <a:gridCol w="4176464">
                   <a:extLst>
                     <a:ext uri="{9D8B030D-6E8A-4147-A177-3AD203B41FA5}">
-                      <a16:colId xmlns:a16="http://schemas.microsoft.com/office/drawing/2014/main" val="967325757"/>
+                      <a16:colId xmlns="" xmlns:a16="http://schemas.microsoft.com/office/drawing/2014/main" val="967325757"/>
                     </a:ext>
                   </a:extLst>
                 </a:gridCol>
                 <a:gridCol w="4449295">
                   <a:extLst>
                     <a:ext uri="{9D8B030D-6E8A-4147-A177-3AD203B41FA5}">
-                      <a16:colId xmlns:a16="http://schemas.microsoft.com/office/drawing/2014/main" val="18751488"/>
+                      <a16:colId xmlns="" xmlns:a16="http://schemas.microsoft.com/office/drawing/2014/main" val="18751488"/>
                     </a:ext>
                   </a:extLst>
                 </a:gridCol>
@@ -23382,7 +23636,7 @@
                 </a:tc>
                 <a:extLst>
                   <a:ext uri="{0D108BD9-81ED-4DB2-BD59-A6C34878D82A}">
-                    <a16:rowId xmlns:a16="http://schemas.microsoft.com/office/drawing/2014/main" val="1526201701"/>
+                    <a16:rowId xmlns="" xmlns:a16="http://schemas.microsoft.com/office/drawing/2014/main" val="1526201701"/>
                   </a:ext>
                 </a:extLst>
               </a:tr>
@@ -23567,7 +23821,7 @@
                 </a:tc>
                 <a:extLst>
                   <a:ext uri="{0D108BD9-81ED-4DB2-BD59-A6C34878D82A}">
-                    <a16:rowId xmlns:a16="http://schemas.microsoft.com/office/drawing/2014/main" val="1399469765"/>
+                    <a16:rowId xmlns="" xmlns:a16="http://schemas.microsoft.com/office/drawing/2014/main" val="1399469765"/>
                   </a:ext>
                 </a:extLst>
               </a:tr>
@@ -23790,7 +24044,7 @@
                 </a:tc>
                 <a:extLst>
                   <a:ext uri="{0D108BD9-81ED-4DB2-BD59-A6C34878D82A}">
-                    <a16:rowId xmlns:a16="http://schemas.microsoft.com/office/drawing/2014/main" val="1467372124"/>
+                    <a16:rowId xmlns="" xmlns:a16="http://schemas.microsoft.com/office/drawing/2014/main" val="1467372124"/>
                   </a:ext>
                 </a:extLst>
               </a:tr>
@@ -23824,14 +24078,14 @@
                 <a:gridCol w="4168080">
                   <a:extLst>
                     <a:ext uri="{9D8B030D-6E8A-4147-A177-3AD203B41FA5}">
-                      <a16:colId xmlns:a16="http://schemas.microsoft.com/office/drawing/2014/main" val="967325757"/>
+                      <a16:colId xmlns="" xmlns:a16="http://schemas.microsoft.com/office/drawing/2014/main" val="967325757"/>
                     </a:ext>
                   </a:extLst>
                 </a:gridCol>
                 <a:gridCol w="4457679">
                   <a:extLst>
                     <a:ext uri="{9D8B030D-6E8A-4147-A177-3AD203B41FA5}">
-                      <a16:colId xmlns:a16="http://schemas.microsoft.com/office/drawing/2014/main" val="18751488"/>
+                      <a16:colId xmlns="" xmlns:a16="http://schemas.microsoft.com/office/drawing/2014/main" val="18751488"/>
                     </a:ext>
                   </a:extLst>
                 </a:gridCol>
@@ -24014,7 +24268,7 @@
                 </a:tc>
                 <a:extLst>
                   <a:ext uri="{0D108BD9-81ED-4DB2-BD59-A6C34878D82A}">
-                    <a16:rowId xmlns:a16="http://schemas.microsoft.com/office/drawing/2014/main" val="1526201701"/>
+                    <a16:rowId xmlns="" xmlns:a16="http://schemas.microsoft.com/office/drawing/2014/main" val="1526201701"/>
                   </a:ext>
                 </a:extLst>
               </a:tr>
@@ -24185,7 +24439,7 @@
                 </a:tc>
                 <a:extLst>
                   <a:ext uri="{0D108BD9-81ED-4DB2-BD59-A6C34878D82A}">
-                    <a16:rowId xmlns:a16="http://schemas.microsoft.com/office/drawing/2014/main" val="1399469765"/>
+                    <a16:rowId xmlns="" xmlns:a16="http://schemas.microsoft.com/office/drawing/2014/main" val="1399469765"/>
                   </a:ext>
                 </a:extLst>
               </a:tr>
@@ -24380,7 +24634,7 @@
                 </a:tc>
                 <a:extLst>
                   <a:ext uri="{0D108BD9-81ED-4DB2-BD59-A6C34878D82A}">
-                    <a16:rowId xmlns:a16="http://schemas.microsoft.com/office/drawing/2014/main" val="1467372124"/>
+                    <a16:rowId xmlns="" xmlns:a16="http://schemas.microsoft.com/office/drawing/2014/main" val="1467372124"/>
                   </a:ext>
                 </a:extLst>
               </a:tr>
@@ -24575,7 +24829,7 @@
                 </a:tc>
                 <a:extLst>
                   <a:ext uri="{0D108BD9-81ED-4DB2-BD59-A6C34878D82A}">
-                    <a16:rowId xmlns:a16="http://schemas.microsoft.com/office/drawing/2014/main" val="3580118957"/>
+                    <a16:rowId xmlns="" xmlns:a16="http://schemas.microsoft.com/office/drawing/2014/main" val="3580118957"/>
                   </a:ext>
                 </a:extLst>
               </a:tr>
@@ -24707,7 +24961,7 @@
               </a:spcBef>
             </a:pPr>
             <a:r>
-              <a:rPr lang="en-US" altLang="zh-CN" sz="3200" b="1">
+              <a:rPr lang="en-US" altLang="zh-CN" sz="3200" b="1" dirty="0">
                 <a:solidFill>
                   <a:schemeClr val="tx1">
                     <a:lumMod val="85000"/>
@@ -24719,7 +24973,7 @@
               <a:t>C</a:t>
             </a:r>
             <a:r>
-              <a:rPr lang="en-US" altLang="zh-CN" sz="3200" b="1" smtClean="0">
+              <a:rPr lang="en-US" altLang="zh-CN" sz="3200" b="1" dirty="0" smtClean="0">
                 <a:solidFill>
                   <a:schemeClr val="tx1">
                     <a:lumMod val="85000"/>
@@ -24731,7 +24985,7 @@
               <a:t>omponent</a:t>
             </a:r>
             <a:r>
-              <a:rPr lang="zh-CN" altLang="en-US" sz="3200" smtClean="0">
+              <a:rPr lang="zh-CN" altLang="en-US" sz="3200" dirty="0" smtClean="0">
                 <a:solidFill>
                   <a:schemeClr val="tx1">
                     <a:lumMod val="85000"/>
@@ -24742,7 +24996,7 @@
               <a:t>（组件）：</a:t>
             </a:r>
             <a:r>
-              <a:rPr lang="zh-CN" altLang="en-US" sz="3200">
+              <a:rPr lang="zh-CN" altLang="en-US" sz="3200" dirty="0">
                 <a:solidFill>
                   <a:schemeClr val="tx1">
                     <a:lumMod val="85000"/>
@@ -24753,7 +25007,7 @@
               <a:t>目的</a:t>
             </a:r>
             <a:r>
-              <a:rPr lang="zh-CN" altLang="en-US" sz="3200" smtClean="0">
+              <a:rPr lang="zh-CN" altLang="en-US" sz="3200" dirty="0" smtClean="0">
                 <a:solidFill>
                   <a:schemeClr val="tx1">
                     <a:lumMod val="85000"/>
@@ -24779,7 +25033,7 @@
               </a:spcBef>
             </a:pPr>
             <a:r>
-              <a:rPr lang="en-US" altLang="zh-CN" sz="3200" b="1">
+              <a:rPr lang="en-US" altLang="zh-CN" sz="3200" b="1" dirty="0">
                 <a:solidFill>
                   <a:schemeClr val="tx1">
                     <a:lumMod val="85000"/>
@@ -24791,7 +25045,7 @@
               <a:t>A</a:t>
             </a:r>
             <a:r>
-              <a:rPr lang="en-US" altLang="zh-CN" sz="3200" b="1" smtClean="0">
+              <a:rPr lang="en-US" altLang="zh-CN" sz="3200" b="1" dirty="0" smtClean="0">
                 <a:solidFill>
                   <a:schemeClr val="tx1">
                     <a:lumMod val="85000"/>
@@ -24803,7 +25057,7 @@
               <a:t>ction   </a:t>
             </a:r>
             <a:r>
-              <a:rPr lang="zh-CN" altLang="en-US" sz="3200" smtClean="0">
+              <a:rPr lang="zh-CN" altLang="en-US" sz="3200" dirty="0" smtClean="0">
                 <a:solidFill>
                   <a:schemeClr val="tx1">
                     <a:lumMod val="85000"/>
@@ -24822,21 +25076,10 @@
                   </a:schemeClr>
                 </a:solidFill>
               </a:rPr>
-              <a:t>动作）：用来表现意图</a:t>
-            </a:r>
-            <a:r>
-              <a:rPr lang="zh-CN" altLang="en-US" sz="3200">
-                <a:solidFill>
-                  <a:schemeClr val="tx1">
-                    <a:lumMod val="85000"/>
-                    <a:lumOff val="15000"/>
-                  </a:schemeClr>
-                </a:solidFill>
-              </a:rPr>
-              <a:t>的</a:t>
-            </a:r>
-            <a:r>
-              <a:rPr lang="zh-CN" altLang="en-US" sz="3200" smtClean="0">
+              <a:t>动作）：用来表现意图的</a:t>
+            </a:r>
+            <a:r>
+              <a:rPr lang="zh-CN" altLang="en-US" sz="3200" dirty="0" smtClean="0">
                 <a:solidFill>
                   <a:schemeClr val="tx1">
                     <a:lumMod val="85000"/>
@@ -24862,7 +25105,7 @@
               </a:spcBef>
             </a:pPr>
             <a:r>
-              <a:rPr lang="en-US" altLang="zh-CN" sz="3200" b="1">
+              <a:rPr lang="en-US" altLang="zh-CN" sz="3200" b="1" dirty="0">
                 <a:solidFill>
                   <a:schemeClr val="tx1">
                     <a:lumMod val="85000"/>
@@ -24874,7 +25117,7 @@
               <a:t>C</a:t>
             </a:r>
             <a:r>
-              <a:rPr lang="en-US" altLang="zh-CN" sz="3200" b="1" smtClean="0">
+              <a:rPr lang="en-US" altLang="zh-CN" sz="3200" b="1" dirty="0" smtClean="0">
                 <a:solidFill>
                   <a:schemeClr val="tx1">
                     <a:lumMod val="85000"/>
@@ -24886,7 +25129,7 @@
               <a:t>ategory </a:t>
             </a:r>
             <a:r>
-              <a:rPr lang="zh-CN" altLang="en-US" sz="3200" smtClean="0">
+              <a:rPr lang="zh-CN" altLang="en-US" sz="3200" dirty="0" smtClean="0">
                 <a:solidFill>
                   <a:schemeClr val="tx1">
                     <a:lumMod val="85000"/>
@@ -24905,21 +25148,10 @@
                   </a:schemeClr>
                 </a:solidFill>
               </a:rPr>
-              <a:t>类别）：用来表现动作</a:t>
-            </a:r>
-            <a:r>
-              <a:rPr lang="zh-CN" altLang="en-US" sz="3200">
-                <a:solidFill>
-                  <a:schemeClr val="tx1">
-                    <a:lumMod val="85000"/>
-                    <a:lumOff val="15000"/>
-                  </a:schemeClr>
-                </a:solidFill>
-              </a:rPr>
-              <a:t>的</a:t>
-            </a:r>
-            <a:r>
-              <a:rPr lang="zh-CN" altLang="en-US" sz="3200" smtClean="0">
+              <a:t>类别）：用来表现动作的</a:t>
+            </a:r>
+            <a:r>
+              <a:rPr lang="zh-CN" altLang="en-US" sz="3200" dirty="0" smtClean="0">
                 <a:solidFill>
                   <a:schemeClr val="tx1">
                     <a:lumMod val="85000"/>
@@ -24945,7 +25177,7 @@
               </a:spcBef>
             </a:pPr>
             <a:r>
-              <a:rPr lang="en-US" altLang="zh-CN" sz="3200" b="1">
+              <a:rPr lang="en-US" altLang="zh-CN" sz="3200" b="1" dirty="0">
                 <a:solidFill>
                   <a:schemeClr val="tx1">
                     <a:lumMod val="85000"/>
@@ -24957,7 +25189,7 @@
               <a:t>D</a:t>
             </a:r>
             <a:r>
-              <a:rPr lang="en-US" altLang="zh-CN" sz="3200" b="1" smtClean="0">
+              <a:rPr lang="en-US" altLang="zh-CN" sz="3200" b="1" dirty="0" smtClean="0">
                 <a:solidFill>
                   <a:schemeClr val="tx1">
                     <a:lumMod val="85000"/>
@@ -24969,7 +25201,7 @@
               <a:t>ata     </a:t>
             </a:r>
             <a:r>
-              <a:rPr lang="zh-CN" altLang="en-US" sz="3200" smtClean="0">
+              <a:rPr lang="zh-CN" altLang="en-US" sz="3200" dirty="0" smtClean="0">
                 <a:solidFill>
                   <a:schemeClr val="tx1">
                     <a:lumMod val="85000"/>
@@ -24988,21 +25220,10 @@
                   </a:schemeClr>
                 </a:solidFill>
               </a:rPr>
-              <a:t>数据）：表示与动作要操纵</a:t>
-            </a:r>
-            <a:r>
-              <a:rPr lang="zh-CN" altLang="en-US" sz="3200">
-                <a:solidFill>
-                  <a:schemeClr val="tx1">
-                    <a:lumMod val="85000"/>
-                    <a:lumOff val="15000"/>
-                  </a:schemeClr>
-                </a:solidFill>
-              </a:rPr>
-              <a:t>的</a:t>
-            </a:r>
-            <a:r>
-              <a:rPr lang="zh-CN" altLang="en-US" sz="3200" smtClean="0">
+              <a:t>数据）：表示与动作要操纵的</a:t>
+            </a:r>
+            <a:r>
+              <a:rPr lang="zh-CN" altLang="en-US" sz="3200" dirty="0" smtClean="0">
                 <a:solidFill>
                   <a:schemeClr val="tx1">
                     <a:lumMod val="85000"/>
@@ -25028,7 +25249,7 @@
               </a:spcBef>
             </a:pPr>
             <a:r>
-              <a:rPr lang="en-US" altLang="zh-CN" sz="3200" b="1">
+              <a:rPr lang="en-US" altLang="zh-CN" sz="3200" b="1" dirty="0">
                 <a:solidFill>
                   <a:schemeClr val="tx1">
                     <a:lumMod val="85000"/>
@@ -25040,7 +25261,7 @@
               <a:t>T</a:t>
             </a:r>
             <a:r>
-              <a:rPr lang="en-US" altLang="zh-CN" sz="3200" b="1" smtClean="0">
+              <a:rPr lang="en-US" altLang="zh-CN" sz="3200" b="1" dirty="0" smtClean="0">
                 <a:solidFill>
                   <a:schemeClr val="tx1">
                     <a:lumMod val="85000"/>
@@ -25052,7 +25273,7 @@
               <a:t>ype     </a:t>
             </a:r>
             <a:r>
-              <a:rPr lang="zh-CN" altLang="en-US" sz="3200" smtClean="0">
+              <a:rPr lang="zh-CN" altLang="en-US" sz="3200" dirty="0" smtClean="0">
                 <a:solidFill>
                   <a:schemeClr val="tx1">
                     <a:lumMod val="85000"/>
@@ -25093,21 +25314,10 @@
                   </a:schemeClr>
                 </a:solidFill>
               </a:rPr>
-              <a:t>范例</a:t>
-            </a:r>
-            <a:r>
-              <a:rPr lang="zh-CN" altLang="en-US" sz="3200">
-                <a:solidFill>
-                  <a:schemeClr val="tx1">
-                    <a:lumMod val="85000"/>
-                    <a:lumOff val="15000"/>
-                  </a:schemeClr>
-                </a:solidFill>
-              </a:rPr>
-              <a:t>的</a:t>
-            </a:r>
-            <a:r>
-              <a:rPr lang="zh-CN" altLang="en-US" sz="3200" smtClean="0">
+              <a:t>范例的</a:t>
+            </a:r>
+            <a:r>
+              <a:rPr lang="zh-CN" altLang="en-US" sz="3200" dirty="0" smtClean="0">
                 <a:solidFill>
                   <a:schemeClr val="tx1">
                     <a:lumMod val="85000"/>
@@ -25133,7 +25343,7 @@
               </a:spcBef>
             </a:pPr>
             <a:r>
-              <a:rPr lang="en-US" altLang="zh-CN" sz="3200" b="1">
+              <a:rPr lang="en-US" altLang="zh-CN" sz="3200" b="1" dirty="0">
                 <a:solidFill>
                   <a:schemeClr val="tx1">
                     <a:lumMod val="85000"/>
@@ -25145,7 +25355,7 @@
               <a:t>E</a:t>
             </a:r>
             <a:r>
-              <a:rPr lang="en-US" altLang="zh-CN" sz="3200" b="1" smtClean="0">
+              <a:rPr lang="en-US" altLang="zh-CN" sz="3200" b="1" dirty="0" smtClean="0">
                 <a:solidFill>
                   <a:schemeClr val="tx1">
                     <a:lumMod val="85000"/>
@@ -25157,7 +25367,7 @@
               <a:t>xtras   </a:t>
             </a:r>
             <a:r>
-              <a:rPr lang="zh-CN" altLang="en-US" sz="3200" smtClean="0">
+              <a:rPr lang="zh-CN" altLang="en-US" sz="3200" dirty="0" smtClean="0">
                 <a:solidFill>
                   <a:schemeClr val="tx1">
                     <a:lumMod val="85000"/>
@@ -25176,21 +25386,10 @@
                   </a:schemeClr>
                 </a:solidFill>
               </a:rPr>
-              <a:t>扩展信息）：</a:t>
-            </a:r>
-            <a:r>
-              <a:rPr lang="zh-CN" altLang="en-US" sz="3200">
-                <a:solidFill>
-                  <a:schemeClr val="tx1">
-                    <a:lumMod val="85000"/>
-                    <a:lumOff val="15000"/>
-                  </a:schemeClr>
-                </a:solidFill>
-              </a:rPr>
-              <a:t>扩展</a:t>
-            </a:r>
-            <a:r>
-              <a:rPr lang="zh-CN" altLang="en-US" sz="3200" smtClean="0">
+              <a:t>扩展信息）：扩展</a:t>
+            </a:r>
+            <a:r>
+              <a:rPr lang="zh-CN" altLang="en-US" sz="3200" dirty="0" smtClean="0">
                 <a:solidFill>
                   <a:schemeClr val="tx1">
                     <a:lumMod val="85000"/>
@@ -25216,7 +25415,7 @@
               </a:spcBef>
             </a:pPr>
             <a:r>
-              <a:rPr lang="en-US" altLang="zh-CN" sz="3200" b="1" smtClean="0">
+              <a:rPr lang="en-US" altLang="zh-CN" sz="3200" b="1" dirty="0" smtClean="0">
                 <a:solidFill>
                   <a:schemeClr val="tx1">
                     <a:lumMod val="85000"/>
@@ -25228,7 +25427,7 @@
               <a:t>Flags    </a:t>
             </a:r>
             <a:r>
-              <a:rPr lang="zh-CN" altLang="en-US" sz="3200" smtClean="0">
+              <a:rPr lang="zh-CN" altLang="en-US" sz="3200" dirty="0" smtClean="0">
                 <a:solidFill>
                   <a:schemeClr val="tx1">
                     <a:lumMod val="85000"/>
@@ -25247,21 +25446,10 @@
                   </a:schemeClr>
                 </a:solidFill>
               </a:rPr>
-              <a:t>标志位）：期望这个意图的</a:t>
-            </a:r>
-            <a:r>
-              <a:rPr lang="zh-CN" altLang="en-US" sz="3200">
-                <a:solidFill>
-                  <a:schemeClr val="tx1">
-                    <a:lumMod val="85000"/>
-                    <a:lumOff val="15000"/>
-                  </a:schemeClr>
-                </a:solidFill>
-              </a:rPr>
-              <a:t>运行</a:t>
-            </a:r>
-            <a:r>
-              <a:rPr lang="zh-CN" altLang="en-US" sz="3200" smtClean="0">
+              <a:t>标志位）：期望这个意图的运行</a:t>
+            </a:r>
+            <a:r>
+              <a:rPr lang="zh-CN" altLang="en-US" sz="3200" dirty="0" smtClean="0">
                 <a:solidFill>
                   <a:schemeClr val="tx1">
                     <a:lumMod val="85000"/>
@@ -25672,7 +25860,18 @@
                   </a:schemeClr>
                 </a:solidFill>
               </a:rPr>
-              <a:t>的目的地</a:t>
+              <a:t>的</a:t>
+            </a:r>
+            <a:r>
+              <a:rPr lang="zh-CN" altLang="en-US" sz="3200" dirty="0" smtClean="0">
+                <a:solidFill>
+                  <a:schemeClr val="tx1">
+                    <a:lumMod val="85000"/>
+                    <a:lumOff val="15000"/>
+                  </a:schemeClr>
+                </a:solidFill>
+              </a:rPr>
+              <a:t>目的组件</a:t>
             </a:r>
             <a:endParaRPr lang="en-US" altLang="zh-CN" sz="3200" dirty="0">
               <a:solidFill>
@@ -25741,6 +25940,17 @@
               <a:t>Intent</a:t>
             </a:r>
             <a:r>
+              <a:rPr lang="zh-CN" altLang="en-US" sz="3200" dirty="0" smtClean="0">
+                <a:solidFill>
+                  <a:schemeClr val="tx1">
+                    <a:lumMod val="85000"/>
+                    <a:lumOff val="15000"/>
+                  </a:schemeClr>
+                </a:solidFill>
+              </a:rPr>
+              <a:t>目的组件，</a:t>
+            </a:r>
+            <a:r>
               <a:rPr lang="zh-CN" altLang="en-US" sz="3200" dirty="0">
                 <a:solidFill>
                   <a:schemeClr val="tx1">
@@ -25749,7 +25959,7 @@
                   </a:schemeClr>
                 </a:solidFill>
               </a:rPr>
-              <a:t>目的地，而是通过</a:t>
+              <a:t>而是通过</a:t>
             </a:r>
             <a:r>
               <a:rPr lang="en-US" altLang="zh-CN" sz="3200" dirty="0">
